--- a/Präsentation/FIA63Gruppe#3.pptx
+++ b/Präsentation/FIA63Gruppe#3.pptx
@@ -8,6 +8,10 @@
     <p:sldId id="256" r:id="rId2"/>
     <p:sldId id="257" r:id="rId3"/>
     <p:sldId id="258" r:id="rId4"/>
+    <p:sldId id="259" r:id="rId5"/>
+    <p:sldId id="261" r:id="rId6"/>
+    <p:sldId id="262" r:id="rId7"/>
+    <p:sldId id="263" r:id="rId8"/>
   </p:sldIdLst>
   <p:sldSz cx="9144000" cy="6858000" type="screen4x3"/>
   <p:notesSz cx="6858000" cy="9144000"/>
@@ -290,6 +294,7 @@
           <a:p>
             <a:fld id="{DA44C658-A786-4A8B-9AAB-8809E6075414}" type="datetimeFigureOut">
               <a:rPr lang="de-DE" smtClean="0"/>
+              <a:pPr/>
               <a:t>22.11.2018</a:t>
             </a:fld>
             <a:endParaRPr lang="de-DE"/>
@@ -332,6 +337,7 @@
           <a:p>
             <a:fld id="{3E6D3252-0EF4-4676-B5DF-274518F29F28}" type="slidenum">
               <a:rPr lang="de-DE" smtClean="0"/>
+              <a:pPr/>
               <a:t>‹Nr.›</a:t>
             </a:fld>
             <a:endParaRPr lang="de-DE"/>
@@ -455,6 +461,7 @@
           <a:p>
             <a:fld id="{DA44C658-A786-4A8B-9AAB-8809E6075414}" type="datetimeFigureOut">
               <a:rPr lang="de-DE" smtClean="0"/>
+              <a:pPr/>
               <a:t>22.11.2018</a:t>
             </a:fld>
             <a:endParaRPr lang="de-DE"/>
@@ -497,6 +504,7 @@
           <a:p>
             <a:fld id="{3E6D3252-0EF4-4676-B5DF-274518F29F28}" type="slidenum">
               <a:rPr lang="de-DE" smtClean="0"/>
+              <a:pPr/>
               <a:t>‹Nr.›</a:t>
             </a:fld>
             <a:endParaRPr lang="de-DE"/>
@@ -630,6 +638,7 @@
           <a:p>
             <a:fld id="{DA44C658-A786-4A8B-9AAB-8809E6075414}" type="datetimeFigureOut">
               <a:rPr lang="de-DE" smtClean="0"/>
+              <a:pPr/>
               <a:t>22.11.2018</a:t>
             </a:fld>
             <a:endParaRPr lang="de-DE"/>
@@ -672,6 +681,7 @@
           <a:p>
             <a:fld id="{3E6D3252-0EF4-4676-B5DF-274518F29F28}" type="slidenum">
               <a:rPr lang="de-DE" smtClean="0"/>
+              <a:pPr/>
               <a:t>‹Nr.›</a:t>
             </a:fld>
             <a:endParaRPr lang="de-DE"/>
@@ -795,6 +805,7 @@
           <a:p>
             <a:fld id="{DA44C658-A786-4A8B-9AAB-8809E6075414}" type="datetimeFigureOut">
               <a:rPr lang="de-DE" smtClean="0"/>
+              <a:pPr/>
               <a:t>22.11.2018</a:t>
             </a:fld>
             <a:endParaRPr lang="de-DE"/>
@@ -837,6 +848,7 @@
           <a:p>
             <a:fld id="{3E6D3252-0EF4-4676-B5DF-274518F29F28}" type="slidenum">
               <a:rPr lang="de-DE" smtClean="0"/>
+              <a:pPr/>
               <a:t>‹Nr.›</a:t>
             </a:fld>
             <a:endParaRPr lang="de-DE"/>
@@ -1036,6 +1048,7 @@
           <a:p>
             <a:fld id="{DA44C658-A786-4A8B-9AAB-8809E6075414}" type="datetimeFigureOut">
               <a:rPr lang="de-DE" smtClean="0"/>
+              <a:pPr/>
               <a:t>22.11.2018</a:t>
             </a:fld>
             <a:endParaRPr lang="de-DE"/>
@@ -1078,6 +1091,7 @@
           <a:p>
             <a:fld id="{3E6D3252-0EF4-4676-B5DF-274518F29F28}" type="slidenum">
               <a:rPr lang="de-DE" smtClean="0"/>
+              <a:pPr/>
               <a:t>‹Nr.›</a:t>
             </a:fld>
             <a:endParaRPr lang="de-DE"/>
@@ -1319,6 +1333,7 @@
           <a:p>
             <a:fld id="{DA44C658-A786-4A8B-9AAB-8809E6075414}" type="datetimeFigureOut">
               <a:rPr lang="de-DE" smtClean="0"/>
+              <a:pPr/>
               <a:t>22.11.2018</a:t>
             </a:fld>
             <a:endParaRPr lang="de-DE"/>
@@ -1361,6 +1376,7 @@
           <a:p>
             <a:fld id="{3E6D3252-0EF4-4676-B5DF-274518F29F28}" type="slidenum">
               <a:rPr lang="de-DE" smtClean="0"/>
+              <a:pPr/>
               <a:t>‹Nr.›</a:t>
             </a:fld>
             <a:endParaRPr lang="de-DE"/>
@@ -1736,6 +1752,7 @@
           <a:p>
             <a:fld id="{DA44C658-A786-4A8B-9AAB-8809E6075414}" type="datetimeFigureOut">
               <a:rPr lang="de-DE" smtClean="0"/>
+              <a:pPr/>
               <a:t>22.11.2018</a:t>
             </a:fld>
             <a:endParaRPr lang="de-DE"/>
@@ -1778,6 +1795,7 @@
           <a:p>
             <a:fld id="{3E6D3252-0EF4-4676-B5DF-274518F29F28}" type="slidenum">
               <a:rPr lang="de-DE" smtClean="0"/>
+              <a:pPr/>
               <a:t>‹Nr.›</a:t>
             </a:fld>
             <a:endParaRPr lang="de-DE"/>
@@ -1849,6 +1867,7 @@
           <a:p>
             <a:fld id="{DA44C658-A786-4A8B-9AAB-8809E6075414}" type="datetimeFigureOut">
               <a:rPr lang="de-DE" smtClean="0"/>
+              <a:pPr/>
               <a:t>22.11.2018</a:t>
             </a:fld>
             <a:endParaRPr lang="de-DE"/>
@@ -1891,6 +1910,7 @@
           <a:p>
             <a:fld id="{3E6D3252-0EF4-4676-B5DF-274518F29F28}" type="slidenum">
               <a:rPr lang="de-DE" smtClean="0"/>
+              <a:pPr/>
               <a:t>‹Nr.›</a:t>
             </a:fld>
             <a:endParaRPr lang="de-DE"/>
@@ -1939,6 +1959,7 @@
           <a:p>
             <a:fld id="{DA44C658-A786-4A8B-9AAB-8809E6075414}" type="datetimeFigureOut">
               <a:rPr lang="de-DE" smtClean="0"/>
+              <a:pPr/>
               <a:t>22.11.2018</a:t>
             </a:fld>
             <a:endParaRPr lang="de-DE"/>
@@ -1981,6 +2002,7 @@
           <a:p>
             <a:fld id="{3E6D3252-0EF4-4676-B5DF-274518F29F28}" type="slidenum">
               <a:rPr lang="de-DE" smtClean="0"/>
+              <a:pPr/>
               <a:t>‹Nr.›</a:t>
             </a:fld>
             <a:endParaRPr lang="de-DE"/>
@@ -2211,6 +2233,7 @@
           <a:p>
             <a:fld id="{DA44C658-A786-4A8B-9AAB-8809E6075414}" type="datetimeFigureOut">
               <a:rPr lang="de-DE" smtClean="0"/>
+              <a:pPr/>
               <a:t>22.11.2018</a:t>
             </a:fld>
             <a:endParaRPr lang="de-DE"/>
@@ -2253,6 +2276,7 @@
           <a:p>
             <a:fld id="{3E6D3252-0EF4-4676-B5DF-274518F29F28}" type="slidenum">
               <a:rPr lang="de-DE" smtClean="0"/>
+              <a:pPr/>
               <a:t>‹Nr.›</a:t>
             </a:fld>
             <a:endParaRPr lang="de-DE"/>
@@ -2459,6 +2483,7 @@
           <a:p>
             <a:fld id="{DA44C658-A786-4A8B-9AAB-8809E6075414}" type="datetimeFigureOut">
               <a:rPr lang="de-DE" smtClean="0"/>
+              <a:pPr/>
               <a:t>22.11.2018</a:t>
             </a:fld>
             <a:endParaRPr lang="de-DE"/>
@@ -2501,6 +2526,7 @@
           <a:p>
             <a:fld id="{3E6D3252-0EF4-4676-B5DF-274518F29F28}" type="slidenum">
               <a:rPr lang="de-DE" smtClean="0"/>
+              <a:pPr/>
               <a:t>‹Nr.›</a:t>
             </a:fld>
             <a:endParaRPr lang="de-DE"/>
@@ -2667,6 +2693,7 @@
           <a:p>
             <a:fld id="{DA44C658-A786-4A8B-9AAB-8809E6075414}" type="datetimeFigureOut">
               <a:rPr lang="de-DE" smtClean="0"/>
+              <a:pPr/>
               <a:t>22.11.2018</a:t>
             </a:fld>
             <a:endParaRPr lang="de-DE"/>
@@ -2745,6 +2772,7 @@
           <a:p>
             <a:fld id="{3E6D3252-0EF4-4676-B5DF-274518F29F28}" type="slidenum">
               <a:rPr lang="de-DE" smtClean="0"/>
+              <a:pPr/>
               <a:t>‹Nr.›</a:t>
             </a:fld>
             <a:endParaRPr lang="de-DE"/>
@@ -3297,11 +3325,688 @@
           <a:p>
             <a:r>
               <a:rPr lang="de-DE" dirty="0" smtClean="0"/>
-              <a:t>Entwicklung einer Protokoll und </a:t>
-            </a:r>
-            <a:r>
-              <a:rPr lang="de-DE" smtClean="0"/>
-              <a:t>Beschluss Anwendung</a:t>
+              <a:t>Entwicklung einer Protokoll und Beschluss Anwendung</a:t>
+            </a:r>
+          </a:p>
+          <a:p>
+            <a:endParaRPr lang="de-DE" dirty="0"/>
+          </a:p>
+        </p:txBody>
+      </p:sp>
+    </p:spTree>
+  </p:cSld>
+  <p:clrMapOvr>
+    <a:masterClrMapping/>
+  </p:clrMapOvr>
+</p:sld>
+</file>
+
+<file path=ppt/slides/slide4.xml><?xml version="1.0" encoding="utf-8"?>
+<p:sld xmlns:a="http://schemas.openxmlformats.org/drawingml/2006/main" xmlns:r="http://schemas.openxmlformats.org/officeDocument/2006/relationships" xmlns:p="http://schemas.openxmlformats.org/presentationml/2006/main">
+  <p:cSld>
+    <p:spTree>
+      <p:nvGrpSpPr>
+        <p:cNvPr id="1" name=""/>
+        <p:cNvGrpSpPr/>
+        <p:nvPr/>
+      </p:nvGrpSpPr>
+      <p:grpSpPr>
+        <a:xfrm>
+          <a:off x="0" y="0"/>
+          <a:ext cx="0" cy="0"/>
+          <a:chOff x="0" y="0"/>
+          <a:chExt cx="0" cy="0"/>
+        </a:xfrm>
+      </p:grpSpPr>
+      <p:sp>
+        <p:nvSpPr>
+          <p:cNvPr id="2" name="Titel 1"/>
+          <p:cNvSpPr>
+            <a:spLocks noGrp="1"/>
+          </p:cNvSpPr>
+          <p:nvPr>
+            <p:ph type="title"/>
+          </p:nvPr>
+        </p:nvSpPr>
+        <p:spPr/>
+        <p:txBody>
+          <a:bodyPr/>
+          <a:lstStyle/>
+          <a:p>
+            <a:r>
+              <a:rPr lang="de-DE" dirty="0" smtClean="0"/>
+              <a:t>Analyse	</a:t>
+            </a:r>
+            <a:endParaRPr lang="de-DE" dirty="0"/>
+          </a:p>
+        </p:txBody>
+      </p:sp>
+      <p:sp>
+        <p:nvSpPr>
+          <p:cNvPr id="3" name="Inhaltsplatzhalter 2"/>
+          <p:cNvSpPr>
+            <a:spLocks noGrp="1"/>
+          </p:cNvSpPr>
+          <p:nvPr>
+            <p:ph idx="1"/>
+          </p:nvPr>
+        </p:nvSpPr>
+        <p:spPr/>
+        <p:txBody>
+          <a:bodyPr/>
+          <a:lstStyle/>
+          <a:p>
+            <a:r>
+              <a:rPr lang="de-DE" dirty="0" smtClean="0"/>
+              <a:t>Ermittlung des Ist-Zustandes</a:t>
+            </a:r>
+          </a:p>
+          <a:p>
+            <a:r>
+              <a:rPr lang="de-DE" dirty="0" smtClean="0"/>
+              <a:t>Anforderung wurden dem Lastenheft</a:t>
+            </a:r>
+          </a:p>
+          <a:p>
+            <a:endParaRPr lang="de-DE" dirty="0"/>
+          </a:p>
+        </p:txBody>
+      </p:sp>
+    </p:spTree>
+  </p:cSld>
+  <p:clrMapOvr>
+    <a:masterClrMapping/>
+  </p:clrMapOvr>
+</p:sld>
+</file>
+
+<file path=ppt/slides/slide5.xml><?xml version="1.0" encoding="utf-8"?>
+<p:sld xmlns:a="http://schemas.openxmlformats.org/drawingml/2006/main" xmlns:r="http://schemas.openxmlformats.org/officeDocument/2006/relationships" xmlns:p="http://schemas.openxmlformats.org/presentationml/2006/main">
+  <p:cSld>
+    <p:spTree>
+      <p:nvGrpSpPr>
+        <p:cNvPr id="1" name=""/>
+        <p:cNvGrpSpPr/>
+        <p:nvPr/>
+      </p:nvGrpSpPr>
+      <p:grpSpPr>
+        <a:xfrm>
+          <a:off x="0" y="0"/>
+          <a:ext cx="0" cy="0"/>
+          <a:chOff x="0" y="0"/>
+          <a:chExt cx="0" cy="0"/>
+        </a:xfrm>
+      </p:grpSpPr>
+      <p:sp>
+        <p:nvSpPr>
+          <p:cNvPr id="2" name="Titel 1"/>
+          <p:cNvSpPr>
+            <a:spLocks noGrp="1"/>
+          </p:cNvSpPr>
+          <p:nvPr>
+            <p:ph type="title"/>
+          </p:nvPr>
+        </p:nvSpPr>
+        <p:spPr/>
+        <p:txBody>
+          <a:bodyPr/>
+          <a:lstStyle/>
+          <a:p>
+            <a:endParaRPr lang="de-DE"/>
+          </a:p>
+        </p:txBody>
+      </p:sp>
+      <p:graphicFrame>
+        <p:nvGraphicFramePr>
+          <p:cNvPr id="4" name="Inhaltsplatzhalter 3"/>
+          <p:cNvGraphicFramePr>
+            <a:graphicFrameLocks noGrp="1"/>
+          </p:cNvGraphicFramePr>
+          <p:nvPr>
+            <p:ph idx="1"/>
+          </p:nvPr>
+        </p:nvGraphicFramePr>
+        <p:xfrm>
+          <a:off x="457200" y="1600200"/>
+          <a:ext cx="8229600" cy="2595880"/>
+        </p:xfrm>
+        <a:graphic>
+          <a:graphicData uri="http://schemas.openxmlformats.org/drawingml/2006/table">
+            <a:tbl>
+              <a:tblPr firstRow="1" bandRow="1">
+                <a:tableStyleId>{5C22544A-7EE6-4342-B048-85BDC9FD1C3A}</a:tableStyleId>
+              </a:tblPr>
+              <a:tblGrid>
+                <a:gridCol w="4114800"/>
+                <a:gridCol w="4114800"/>
+              </a:tblGrid>
+              <a:tr h="370840">
+                <a:tc>
+                  <a:txBody>
+                    <a:bodyPr/>
+                    <a:lstStyle/>
+                    <a:p>
+                      <a:r>
+                        <a:rPr lang="de-DE" dirty="0" smtClean="0"/>
+                        <a:t>Phase</a:t>
+                      </a:r>
+                      <a:endParaRPr lang="de-DE" dirty="0"/>
+                    </a:p>
+                  </a:txBody>
+                  <a:tcPr/>
+                </a:tc>
+                <a:tc>
+                  <a:txBody>
+                    <a:bodyPr/>
+                    <a:lstStyle/>
+                    <a:p>
+                      <a:r>
+                        <a:rPr lang="de-DE" dirty="0" smtClean="0"/>
+                        <a:t>Dauer in Stunden</a:t>
+                      </a:r>
+                      <a:endParaRPr lang="de-DE" dirty="0"/>
+                    </a:p>
+                  </a:txBody>
+                  <a:tcPr/>
+                </a:tc>
+              </a:tr>
+              <a:tr h="370840">
+                <a:tc>
+                  <a:txBody>
+                    <a:bodyPr/>
+                    <a:lstStyle/>
+                    <a:p>
+                      <a:r>
+                        <a:rPr lang="de-DE" dirty="0" smtClean="0"/>
+                        <a:t>Planung</a:t>
+                      </a:r>
+                      <a:endParaRPr lang="de-DE" dirty="0"/>
+                    </a:p>
+                  </a:txBody>
+                  <a:tcPr/>
+                </a:tc>
+                <a:tc>
+                  <a:txBody>
+                    <a:bodyPr/>
+                    <a:lstStyle/>
+                    <a:p>
+                      <a:r>
+                        <a:rPr lang="de-DE" dirty="0" smtClean="0"/>
+                        <a:t>15</a:t>
+                      </a:r>
+                      <a:endParaRPr lang="de-DE" dirty="0"/>
+                    </a:p>
+                  </a:txBody>
+                  <a:tcPr/>
+                </a:tc>
+              </a:tr>
+              <a:tr h="370840">
+                <a:tc>
+                  <a:txBody>
+                    <a:bodyPr/>
+                    <a:lstStyle/>
+                    <a:p>
+                      <a:r>
+                        <a:rPr lang="de-DE" dirty="0" smtClean="0"/>
+                        <a:t>Vorbereitung</a:t>
+                      </a:r>
+                      <a:endParaRPr lang="de-DE" dirty="0"/>
+                    </a:p>
+                  </a:txBody>
+                  <a:tcPr/>
+                </a:tc>
+                <a:tc>
+                  <a:txBody>
+                    <a:bodyPr/>
+                    <a:lstStyle/>
+                    <a:p>
+                      <a:r>
+                        <a:rPr lang="de-DE" dirty="0" smtClean="0"/>
+                        <a:t>15</a:t>
+                      </a:r>
+                      <a:endParaRPr lang="de-DE" dirty="0"/>
+                    </a:p>
+                  </a:txBody>
+                  <a:tcPr/>
+                </a:tc>
+              </a:tr>
+              <a:tr h="370840">
+                <a:tc>
+                  <a:txBody>
+                    <a:bodyPr/>
+                    <a:lstStyle/>
+                    <a:p>
+                      <a:r>
+                        <a:rPr lang="de-DE" dirty="0" smtClean="0"/>
+                        <a:t>Implementierung</a:t>
+                      </a:r>
+                      <a:endParaRPr lang="de-DE" dirty="0"/>
+                    </a:p>
+                  </a:txBody>
+                  <a:tcPr/>
+                </a:tc>
+                <a:tc>
+                  <a:txBody>
+                    <a:bodyPr/>
+                    <a:lstStyle/>
+                    <a:p>
+                      <a:r>
+                        <a:rPr lang="de-DE" dirty="0" smtClean="0"/>
+                        <a:t>26</a:t>
+                      </a:r>
+                      <a:endParaRPr lang="de-DE" dirty="0"/>
+                    </a:p>
+                  </a:txBody>
+                  <a:tcPr/>
+                </a:tc>
+              </a:tr>
+              <a:tr h="370840">
+                <a:tc>
+                  <a:txBody>
+                    <a:bodyPr/>
+                    <a:lstStyle/>
+                    <a:p>
+                      <a:r>
+                        <a:rPr lang="de-DE" dirty="0" smtClean="0"/>
+                        <a:t>Dokumentation</a:t>
+                      </a:r>
+                      <a:endParaRPr lang="de-DE" dirty="0"/>
+                    </a:p>
+                  </a:txBody>
+                  <a:tcPr/>
+                </a:tc>
+                <a:tc>
+                  <a:txBody>
+                    <a:bodyPr/>
+                    <a:lstStyle/>
+                    <a:p>
+                      <a:r>
+                        <a:rPr lang="de-DE" dirty="0" smtClean="0"/>
+                        <a:t>14</a:t>
+                      </a:r>
+                      <a:endParaRPr lang="de-DE" dirty="0"/>
+                    </a:p>
+                  </a:txBody>
+                  <a:tcPr/>
+                </a:tc>
+              </a:tr>
+              <a:tr h="370840">
+                <a:tc>
+                  <a:txBody>
+                    <a:bodyPr/>
+                    <a:lstStyle/>
+                    <a:p>
+                      <a:r>
+                        <a:rPr lang="de-DE" dirty="0" smtClean="0"/>
+                        <a:t>Puffer</a:t>
+                      </a:r>
+                      <a:endParaRPr lang="de-DE" dirty="0"/>
+                    </a:p>
+                  </a:txBody>
+                  <a:tcPr/>
+                </a:tc>
+                <a:tc>
+                  <a:txBody>
+                    <a:bodyPr/>
+                    <a:lstStyle/>
+                    <a:p>
+                      <a:r>
+                        <a:rPr lang="de-DE" dirty="0" smtClean="0"/>
+                        <a:t>2</a:t>
+                      </a:r>
+                      <a:endParaRPr lang="de-DE" dirty="0"/>
+                    </a:p>
+                  </a:txBody>
+                  <a:tcPr/>
+                </a:tc>
+              </a:tr>
+              <a:tr h="370840">
+                <a:tc>
+                  <a:txBody>
+                    <a:bodyPr/>
+                    <a:lstStyle/>
+                    <a:p>
+                      <a:r>
+                        <a:rPr lang="de-DE" b="1" dirty="0" smtClean="0"/>
+                        <a:t>Summe</a:t>
+                      </a:r>
+                      <a:endParaRPr lang="de-DE" b="1" dirty="0"/>
+                    </a:p>
+                  </a:txBody>
+                  <a:tcPr/>
+                </a:tc>
+                <a:tc>
+                  <a:txBody>
+                    <a:bodyPr/>
+                    <a:lstStyle/>
+                    <a:p>
+                      <a:r>
+                        <a:rPr lang="de-DE" b="1" dirty="0" smtClean="0"/>
+                        <a:t>72</a:t>
+                      </a:r>
+                      <a:endParaRPr lang="de-DE" b="1" dirty="0"/>
+                    </a:p>
+                  </a:txBody>
+                  <a:tcPr/>
+                </a:tc>
+              </a:tr>
+            </a:tbl>
+          </a:graphicData>
+        </a:graphic>
+      </p:graphicFrame>
+    </p:spTree>
+  </p:cSld>
+  <p:clrMapOvr>
+    <a:masterClrMapping/>
+  </p:clrMapOvr>
+</p:sld>
+</file>
+
+<file path=ppt/slides/slide6.xml><?xml version="1.0" encoding="utf-8"?>
+<p:sld xmlns:a="http://schemas.openxmlformats.org/drawingml/2006/main" xmlns:r="http://schemas.openxmlformats.org/officeDocument/2006/relationships" xmlns:p="http://schemas.openxmlformats.org/presentationml/2006/main">
+  <p:cSld>
+    <p:spTree>
+      <p:nvGrpSpPr>
+        <p:cNvPr id="1" name=""/>
+        <p:cNvGrpSpPr/>
+        <p:nvPr/>
+      </p:nvGrpSpPr>
+      <p:grpSpPr>
+        <a:xfrm>
+          <a:off x="0" y="0"/>
+          <a:ext cx="0" cy="0"/>
+          <a:chOff x="0" y="0"/>
+          <a:chExt cx="0" cy="0"/>
+        </a:xfrm>
+      </p:grpSpPr>
+      <p:sp>
+        <p:nvSpPr>
+          <p:cNvPr id="2" name="Titel 1"/>
+          <p:cNvSpPr>
+            <a:spLocks noGrp="1"/>
+          </p:cNvSpPr>
+          <p:nvPr>
+            <p:ph type="title"/>
+          </p:nvPr>
+        </p:nvSpPr>
+        <p:spPr/>
+        <p:txBody>
+          <a:bodyPr/>
+          <a:lstStyle/>
+          <a:p>
+            <a:r>
+              <a:rPr lang="de-DE" dirty="0" err="1" smtClean="0"/>
+              <a:t>Ressourcenlplan</a:t>
+            </a:r>
+            <a:endParaRPr lang="de-DE" dirty="0"/>
+          </a:p>
+        </p:txBody>
+      </p:sp>
+      <p:sp>
+        <p:nvSpPr>
+          <p:cNvPr id="3" name="Inhaltsplatzhalter 2"/>
+          <p:cNvSpPr>
+            <a:spLocks noGrp="1"/>
+          </p:cNvSpPr>
+          <p:nvPr>
+            <p:ph idx="1"/>
+          </p:nvPr>
+        </p:nvSpPr>
+        <p:spPr/>
+        <p:txBody>
+          <a:bodyPr>
+            <a:normAutofit lnSpcReduction="10000"/>
+          </a:bodyPr>
+          <a:lstStyle/>
+          <a:p>
+            <a:r>
+              <a:rPr lang="de-DE" dirty="0" smtClean="0"/>
+              <a:t>Software:</a:t>
+            </a:r>
+          </a:p>
+          <a:p>
+            <a:pPr lvl="1"/>
+            <a:r>
+              <a:rPr lang="de-DE" dirty="0" smtClean="0"/>
+              <a:t>Visual Studio Code</a:t>
+            </a:r>
+          </a:p>
+          <a:p>
+            <a:pPr lvl="1"/>
+            <a:r>
+              <a:rPr lang="de-DE" dirty="0" err="1" smtClean="0"/>
+              <a:t>Github</a:t>
+            </a:r>
+            <a:endParaRPr lang="de-DE" dirty="0" smtClean="0"/>
+          </a:p>
+          <a:p>
+            <a:pPr lvl="1"/>
+            <a:r>
+              <a:rPr lang="de-DE" dirty="0" smtClean="0"/>
+              <a:t>Office</a:t>
+            </a:r>
+          </a:p>
+          <a:p>
+            <a:pPr lvl="1"/>
+            <a:r>
+              <a:rPr lang="de-DE" dirty="0" smtClean="0"/>
+              <a:t>FDP Tool</a:t>
+            </a:r>
+          </a:p>
+          <a:p>
+            <a:pPr lvl="1"/>
+            <a:r>
+              <a:rPr lang="de-DE" dirty="0" smtClean="0"/>
+              <a:t>IES</a:t>
+            </a:r>
+          </a:p>
+          <a:p>
+            <a:r>
+              <a:rPr lang="de-DE" dirty="0" smtClean="0"/>
+              <a:t>Hardware:</a:t>
+            </a:r>
+          </a:p>
+          <a:p>
+            <a:pPr lvl="1"/>
+            <a:r>
+              <a:rPr lang="de-DE" dirty="0" smtClean="0"/>
+              <a:t>GSO Rechner</a:t>
+            </a:r>
+          </a:p>
+          <a:p>
+            <a:pPr lvl="1"/>
+            <a:r>
+              <a:rPr lang="de-DE" dirty="0" smtClean="0"/>
+              <a:t>Laptops</a:t>
+            </a:r>
+          </a:p>
+          <a:p>
+            <a:pPr lvl="1">
+              <a:buNone/>
+            </a:pPr>
+            <a:endParaRPr lang="de-DE" dirty="0" smtClean="0"/>
+          </a:p>
+          <a:p>
+            <a:pPr lvl="1">
+              <a:buNone/>
+            </a:pPr>
+            <a:endParaRPr lang="de-DE" dirty="0" smtClean="0"/>
+          </a:p>
+        </p:txBody>
+      </p:sp>
+      <p:sp>
+        <p:nvSpPr>
+          <p:cNvPr id="2050" name="AutoShape 2" descr="Bildergebnis fÃ¼r visual studio code icon"/>
+          <p:cNvSpPr>
+            <a:spLocks noChangeAspect="1" noChangeArrowheads="1"/>
+          </p:cNvSpPr>
+          <p:nvPr/>
+        </p:nvSpPr>
+        <p:spPr bwMode="auto">
+          <a:xfrm>
+            <a:off x="155575" y="-144463"/>
+            <a:ext cx="304800" cy="304801"/>
+          </a:xfrm>
+          <a:prstGeom prst="rect">
+            <a:avLst/>
+          </a:prstGeom>
+          <a:noFill/>
+        </p:spPr>
+        <p:txBody>
+          <a:bodyPr vert="horz" wrap="square" lIns="91440" tIns="45720" rIns="91440" bIns="45720" numCol="1" anchor="t" anchorCtr="0" compatLnSpc="1">
+            <a:prstTxWarp prst="textNoShape">
+              <a:avLst/>
+            </a:prstTxWarp>
+          </a:bodyPr>
+          <a:lstStyle/>
+          <a:p>
+            <a:endParaRPr lang="de-DE"/>
+          </a:p>
+        </p:txBody>
+      </p:sp>
+      <p:pic>
+        <p:nvPicPr>
+          <p:cNvPr id="2051" name="Picture 3" descr="C:\Users\Moorhuhn\Documents\GitHub\OberstufenProjekt\Präsentation\Download.png"/>
+          <p:cNvPicPr>
+            <a:picLocks noChangeAspect="1" noChangeArrowheads="1"/>
+          </p:cNvPicPr>
+          <p:nvPr/>
+        </p:nvPicPr>
+        <p:blipFill>
+          <a:blip r:embed="rId2"/>
+          <a:srcRect/>
+          <a:stretch>
+            <a:fillRect/>
+          </a:stretch>
+        </p:blipFill>
+        <p:spPr bwMode="auto">
+          <a:xfrm>
+            <a:off x="5715008" y="3429000"/>
+            <a:ext cx="2143125" cy="2133600"/>
+          </a:xfrm>
+          <a:prstGeom prst="rect">
+            <a:avLst/>
+          </a:prstGeom>
+          <a:noFill/>
+        </p:spPr>
+      </p:pic>
+      <p:sp>
+        <p:nvSpPr>
+          <p:cNvPr id="6" name="Textfeld 5"/>
+          <p:cNvSpPr txBox="1"/>
+          <p:nvPr/>
+        </p:nvSpPr>
+        <p:spPr>
+          <a:xfrm>
+            <a:off x="5929322" y="5572140"/>
+            <a:ext cx="2214578" cy="261610"/>
+          </a:xfrm>
+          <a:prstGeom prst="rect">
+            <a:avLst/>
+          </a:prstGeom>
+          <a:noFill/>
+        </p:spPr>
+        <p:txBody>
+          <a:bodyPr wrap="square" rtlCol="0">
+            <a:spAutoFit/>
+          </a:bodyPr>
+          <a:lstStyle/>
+          <a:p>
+            <a:r>
+              <a:rPr lang="de-DE" sz="1100" dirty="0" smtClean="0"/>
+              <a:t>https://</a:t>
+            </a:r>
+            <a:r>
+              <a:rPr lang="de-DE" sz="1100" dirty="0" smtClean="0"/>
+              <a:t>de.wikipedia.org</a:t>
+            </a:r>
+            <a:endParaRPr lang="de-DE" sz="1100" dirty="0"/>
+          </a:p>
+        </p:txBody>
+      </p:sp>
+    </p:spTree>
+  </p:cSld>
+  <p:clrMapOvr>
+    <a:masterClrMapping/>
+  </p:clrMapOvr>
+</p:sld>
+</file>
+
+<file path=ppt/slides/slide7.xml><?xml version="1.0" encoding="utf-8"?>
+<p:sld xmlns:a="http://schemas.openxmlformats.org/drawingml/2006/main" xmlns:r="http://schemas.openxmlformats.org/officeDocument/2006/relationships" xmlns:p="http://schemas.openxmlformats.org/presentationml/2006/main">
+  <p:cSld>
+    <p:spTree>
+      <p:nvGrpSpPr>
+        <p:cNvPr id="1" name=""/>
+        <p:cNvGrpSpPr/>
+        <p:nvPr/>
+      </p:nvGrpSpPr>
+      <p:grpSpPr>
+        <a:xfrm>
+          <a:off x="0" y="0"/>
+          <a:ext cx="0" cy="0"/>
+          <a:chOff x="0" y="0"/>
+          <a:chExt cx="0" cy="0"/>
+        </a:xfrm>
+      </p:grpSpPr>
+      <p:sp>
+        <p:nvSpPr>
+          <p:cNvPr id="2" name="Titel 1"/>
+          <p:cNvSpPr>
+            <a:spLocks noGrp="1"/>
+          </p:cNvSpPr>
+          <p:nvPr>
+            <p:ph type="title"/>
+          </p:nvPr>
+        </p:nvSpPr>
+        <p:spPr/>
+        <p:txBody>
+          <a:bodyPr/>
+          <a:lstStyle/>
+          <a:p>
+            <a:r>
+              <a:rPr lang="de-DE" dirty="0" smtClean="0"/>
+              <a:t>Kostenplanung</a:t>
+            </a:r>
+            <a:endParaRPr lang="de-DE" dirty="0"/>
+          </a:p>
+        </p:txBody>
+      </p:sp>
+      <p:sp>
+        <p:nvSpPr>
+          <p:cNvPr id="5" name="Inhaltsplatzhalter 4"/>
+          <p:cNvSpPr>
+            <a:spLocks noGrp="1"/>
+          </p:cNvSpPr>
+          <p:nvPr>
+            <p:ph idx="1"/>
+          </p:nvPr>
+        </p:nvSpPr>
+        <p:spPr/>
+        <p:txBody>
+          <a:bodyPr/>
+          <a:lstStyle/>
+          <a:p>
+            <a:r>
+              <a:rPr lang="de-DE" dirty="0" smtClean="0"/>
+              <a:t>Soll-Kosten</a:t>
+            </a:r>
+            <a:r>
+              <a:rPr lang="de-DE" smtClean="0"/>
+              <a:t>: 8558€</a:t>
+            </a:r>
+            <a:endParaRPr lang="de-DE" dirty="0" smtClean="0"/>
+          </a:p>
+          <a:p>
+            <a:r>
+              <a:rPr lang="de-DE" dirty="0" smtClean="0"/>
+              <a:t>Ist-Kosten: 8514€</a:t>
+            </a:r>
+          </a:p>
+          <a:p>
+            <a:r>
+              <a:rPr lang="de-DE" dirty="0" smtClean="0"/>
+              <a:t>Abweichung: 44€</a:t>
             </a:r>
           </a:p>
           <a:p>

--- a/Präsentation/FIA63Gruppe#3.pptx
+++ b/Präsentation/FIA63Gruppe#3.pptx
@@ -3914,11 +3914,7 @@
           <a:p>
             <a:r>
               <a:rPr lang="de-DE" sz="1100" dirty="0" smtClean="0"/>
-              <a:t>https://</a:t>
-            </a:r>
-            <a:r>
-              <a:rPr lang="de-DE" sz="1100" dirty="0" smtClean="0"/>
-              <a:t>de.wikipedia.org</a:t>
+              <a:t>https://de.wikipedia.org</a:t>
             </a:r>
             <a:endParaRPr lang="de-DE" sz="1100" dirty="0"/>
           </a:p>

--- a/Präsentation/FIA63Gruppe#3.pptx
+++ b/Präsentation/FIA63Gruppe#3.pptx
@@ -4,6 +4,9 @@
   <p:sldMasterIdLst>
     <p:sldMasterId id="2147483648" r:id="rId1"/>
   </p:sldMasterIdLst>
+  <p:notesMasterIdLst>
+    <p:notesMasterId r:id="rId14"/>
+  </p:notesMasterIdLst>
   <p:sldIdLst>
     <p:sldId id="256" r:id="rId2"/>
     <p:sldId id="257" r:id="rId3"/>
@@ -12,6 +15,11 @@
     <p:sldId id="261" r:id="rId6"/>
     <p:sldId id="262" r:id="rId7"/>
     <p:sldId id="263" r:id="rId8"/>
+    <p:sldId id="264" r:id="rId9"/>
+    <p:sldId id="265" r:id="rId10"/>
+    <p:sldId id="266" r:id="rId11"/>
+    <p:sldId id="267" r:id="rId12"/>
+    <p:sldId id="268" r:id="rId13"/>
   </p:sldIdLst>
   <p:sldSz cx="9144000" cy="6858000" type="screen4x3"/>
   <p:notesSz cx="6858000" cy="9144000"/>
@@ -111,6 +119,446 @@
     </a:lvl9pPr>
   </p:defaultTextStyle>
 </p:presentation>
+</file>
+
+<file path=ppt/notesMasters/notesMaster1.xml><?xml version="1.0" encoding="utf-8"?>
+<p:notesMaster xmlns:a="http://schemas.openxmlformats.org/drawingml/2006/main" xmlns:r="http://schemas.openxmlformats.org/officeDocument/2006/relationships" xmlns:p="http://schemas.openxmlformats.org/presentationml/2006/main">
+  <p:cSld>
+    <p:bg>
+      <p:bgRef idx="1001">
+        <a:schemeClr val="bg1"/>
+      </p:bgRef>
+    </p:bg>
+    <p:spTree>
+      <p:nvGrpSpPr>
+        <p:cNvPr id="1" name=""/>
+        <p:cNvGrpSpPr/>
+        <p:nvPr/>
+      </p:nvGrpSpPr>
+      <p:grpSpPr>
+        <a:xfrm>
+          <a:off x="0" y="0"/>
+          <a:ext cx="0" cy="0"/>
+          <a:chOff x="0" y="0"/>
+          <a:chExt cx="0" cy="0"/>
+        </a:xfrm>
+      </p:grpSpPr>
+      <p:sp>
+        <p:nvSpPr>
+          <p:cNvPr id="2" name="Kopfzeilenplatzhalter 1"/>
+          <p:cNvSpPr>
+            <a:spLocks noGrp="1"/>
+          </p:cNvSpPr>
+          <p:nvPr>
+            <p:ph type="hdr" sz="quarter"/>
+          </p:nvPr>
+        </p:nvSpPr>
+        <p:spPr>
+          <a:xfrm>
+            <a:off x="0" y="0"/>
+            <a:ext cx="2971800" cy="457200"/>
+          </a:xfrm>
+          <a:prstGeom prst="rect">
+            <a:avLst/>
+          </a:prstGeom>
+        </p:spPr>
+        <p:txBody>
+          <a:bodyPr vert="horz" lIns="91440" tIns="45720" rIns="91440" bIns="45720" rtlCol="0"/>
+          <a:lstStyle>
+            <a:lvl1pPr algn="l">
+              <a:defRPr sz="1200"/>
+            </a:lvl1pPr>
+          </a:lstStyle>
+          <a:p>
+            <a:endParaRPr lang="de-DE"/>
+          </a:p>
+        </p:txBody>
+      </p:sp>
+      <p:sp>
+        <p:nvSpPr>
+          <p:cNvPr id="3" name="Datumsplatzhalter 2"/>
+          <p:cNvSpPr>
+            <a:spLocks noGrp="1"/>
+          </p:cNvSpPr>
+          <p:nvPr>
+            <p:ph type="dt" idx="1"/>
+          </p:nvPr>
+        </p:nvSpPr>
+        <p:spPr>
+          <a:xfrm>
+            <a:off x="3884613" y="0"/>
+            <a:ext cx="2971800" cy="457200"/>
+          </a:xfrm>
+          <a:prstGeom prst="rect">
+            <a:avLst/>
+          </a:prstGeom>
+        </p:spPr>
+        <p:txBody>
+          <a:bodyPr vert="horz" lIns="91440" tIns="45720" rIns="91440" bIns="45720" rtlCol="0"/>
+          <a:lstStyle>
+            <a:lvl1pPr algn="r">
+              <a:defRPr sz="1200"/>
+            </a:lvl1pPr>
+          </a:lstStyle>
+          <a:p>
+            <a:fld id="{F5DE3170-5555-4B3A-9FAD-136590618D7B}" type="datetimeFigureOut">
+              <a:rPr lang="de-DE" smtClean="0"/>
+              <a:t>22.11.2018</a:t>
+            </a:fld>
+            <a:endParaRPr lang="de-DE"/>
+          </a:p>
+        </p:txBody>
+      </p:sp>
+      <p:sp>
+        <p:nvSpPr>
+          <p:cNvPr id="4" name="Folienbildplatzhalter 3"/>
+          <p:cNvSpPr>
+            <a:spLocks noGrp="1" noRot="1" noChangeAspect="1"/>
+          </p:cNvSpPr>
+          <p:nvPr>
+            <p:ph type="sldImg" idx="2"/>
+          </p:nvPr>
+        </p:nvSpPr>
+        <p:spPr>
+          <a:xfrm>
+            <a:off x="1143000" y="685800"/>
+            <a:ext cx="4572000" cy="3429000"/>
+          </a:xfrm>
+          <a:prstGeom prst="rect">
+            <a:avLst/>
+          </a:prstGeom>
+          <a:noFill/>
+          <a:ln w="12700">
+            <a:solidFill>
+              <a:prstClr val="black"/>
+            </a:solidFill>
+          </a:ln>
+        </p:spPr>
+        <p:txBody>
+          <a:bodyPr vert="horz" lIns="91440" tIns="45720" rIns="91440" bIns="45720" rtlCol="0" anchor="ctr"/>
+          <a:lstStyle/>
+          <a:p>
+            <a:endParaRPr lang="de-DE"/>
+          </a:p>
+        </p:txBody>
+      </p:sp>
+      <p:sp>
+        <p:nvSpPr>
+          <p:cNvPr id="5" name="Notizenplatzhalter 4"/>
+          <p:cNvSpPr>
+            <a:spLocks noGrp="1"/>
+          </p:cNvSpPr>
+          <p:nvPr>
+            <p:ph type="body" sz="quarter" idx="3"/>
+          </p:nvPr>
+        </p:nvSpPr>
+        <p:spPr>
+          <a:xfrm>
+            <a:off x="685800" y="4343400"/>
+            <a:ext cx="5486400" cy="4114800"/>
+          </a:xfrm>
+          <a:prstGeom prst="rect">
+            <a:avLst/>
+          </a:prstGeom>
+        </p:spPr>
+        <p:txBody>
+          <a:bodyPr vert="horz" lIns="91440" tIns="45720" rIns="91440" bIns="45720" rtlCol="0">
+            <a:normAutofit/>
+          </a:bodyPr>
+          <a:lstStyle/>
+          <a:p>
+            <a:pPr lvl="0"/>
+            <a:r>
+              <a:rPr lang="de-DE" smtClean="0"/>
+              <a:t>Textmasterformate durch Klicken bearbeiten</a:t>
+            </a:r>
+          </a:p>
+          <a:p>
+            <a:pPr lvl="1"/>
+            <a:r>
+              <a:rPr lang="de-DE" smtClean="0"/>
+              <a:t>Zweite Ebene</a:t>
+            </a:r>
+          </a:p>
+          <a:p>
+            <a:pPr lvl="2"/>
+            <a:r>
+              <a:rPr lang="de-DE" smtClean="0"/>
+              <a:t>Dritte Ebene</a:t>
+            </a:r>
+          </a:p>
+          <a:p>
+            <a:pPr lvl="3"/>
+            <a:r>
+              <a:rPr lang="de-DE" smtClean="0"/>
+              <a:t>Vierte Ebene</a:t>
+            </a:r>
+          </a:p>
+          <a:p>
+            <a:pPr lvl="4"/>
+            <a:r>
+              <a:rPr lang="de-DE" smtClean="0"/>
+              <a:t>Fünfte Ebene</a:t>
+            </a:r>
+            <a:endParaRPr lang="de-DE"/>
+          </a:p>
+        </p:txBody>
+      </p:sp>
+      <p:sp>
+        <p:nvSpPr>
+          <p:cNvPr id="6" name="Fußzeilenplatzhalter 5"/>
+          <p:cNvSpPr>
+            <a:spLocks noGrp="1"/>
+          </p:cNvSpPr>
+          <p:nvPr>
+            <p:ph type="ftr" sz="quarter" idx="4"/>
+          </p:nvPr>
+        </p:nvSpPr>
+        <p:spPr>
+          <a:xfrm>
+            <a:off x="0" y="8685213"/>
+            <a:ext cx="2971800" cy="457200"/>
+          </a:xfrm>
+          <a:prstGeom prst="rect">
+            <a:avLst/>
+          </a:prstGeom>
+        </p:spPr>
+        <p:txBody>
+          <a:bodyPr vert="horz" lIns="91440" tIns="45720" rIns="91440" bIns="45720" rtlCol="0" anchor="b"/>
+          <a:lstStyle>
+            <a:lvl1pPr algn="l">
+              <a:defRPr sz="1200"/>
+            </a:lvl1pPr>
+          </a:lstStyle>
+          <a:p>
+            <a:endParaRPr lang="de-DE"/>
+          </a:p>
+        </p:txBody>
+      </p:sp>
+      <p:sp>
+        <p:nvSpPr>
+          <p:cNvPr id="7" name="Foliennummernplatzhalter 6"/>
+          <p:cNvSpPr>
+            <a:spLocks noGrp="1"/>
+          </p:cNvSpPr>
+          <p:nvPr>
+            <p:ph type="sldNum" sz="quarter" idx="5"/>
+          </p:nvPr>
+        </p:nvSpPr>
+        <p:spPr>
+          <a:xfrm>
+            <a:off x="3884613" y="8685213"/>
+            <a:ext cx="2971800" cy="457200"/>
+          </a:xfrm>
+          <a:prstGeom prst="rect">
+            <a:avLst/>
+          </a:prstGeom>
+        </p:spPr>
+        <p:txBody>
+          <a:bodyPr vert="horz" lIns="91440" tIns="45720" rIns="91440" bIns="45720" rtlCol="0" anchor="b"/>
+          <a:lstStyle>
+            <a:lvl1pPr algn="r">
+              <a:defRPr sz="1200"/>
+            </a:lvl1pPr>
+          </a:lstStyle>
+          <a:p>
+            <a:fld id="{CD6DC267-2BB3-48C8-81DA-2E2C729E25B2}" type="slidenum">
+              <a:rPr lang="de-DE" smtClean="0"/>
+              <a:t>‹Nr.›</a:t>
+            </a:fld>
+            <a:endParaRPr lang="de-DE"/>
+          </a:p>
+        </p:txBody>
+      </p:sp>
+    </p:spTree>
+  </p:cSld>
+  <p:clrMap bg1="lt1" tx1="dk1" bg2="lt2" tx2="dk2" accent1="accent1" accent2="accent2" accent3="accent3" accent4="accent4" accent5="accent5" accent6="accent6" hlink="hlink" folHlink="folHlink"/>
+  <p:notesStyle>
+    <a:lvl1pPr marL="0" algn="l" defTabSz="914400" rtl="0" eaLnBrk="1" latinLnBrk="0" hangingPunct="1">
+      <a:defRPr sz="1200" kern="1200">
+        <a:solidFill>
+          <a:schemeClr val="tx1"/>
+        </a:solidFill>
+        <a:latin typeface="+mn-lt"/>
+        <a:ea typeface="+mn-ea"/>
+        <a:cs typeface="+mn-cs"/>
+      </a:defRPr>
+    </a:lvl1pPr>
+    <a:lvl2pPr marL="457200" algn="l" defTabSz="914400" rtl="0" eaLnBrk="1" latinLnBrk="0" hangingPunct="1">
+      <a:defRPr sz="1200" kern="1200">
+        <a:solidFill>
+          <a:schemeClr val="tx1"/>
+        </a:solidFill>
+        <a:latin typeface="+mn-lt"/>
+        <a:ea typeface="+mn-ea"/>
+        <a:cs typeface="+mn-cs"/>
+      </a:defRPr>
+    </a:lvl2pPr>
+    <a:lvl3pPr marL="914400" algn="l" defTabSz="914400" rtl="0" eaLnBrk="1" latinLnBrk="0" hangingPunct="1">
+      <a:defRPr sz="1200" kern="1200">
+        <a:solidFill>
+          <a:schemeClr val="tx1"/>
+        </a:solidFill>
+        <a:latin typeface="+mn-lt"/>
+        <a:ea typeface="+mn-ea"/>
+        <a:cs typeface="+mn-cs"/>
+      </a:defRPr>
+    </a:lvl3pPr>
+    <a:lvl4pPr marL="1371600" algn="l" defTabSz="914400" rtl="0" eaLnBrk="1" latinLnBrk="0" hangingPunct="1">
+      <a:defRPr sz="1200" kern="1200">
+        <a:solidFill>
+          <a:schemeClr val="tx1"/>
+        </a:solidFill>
+        <a:latin typeface="+mn-lt"/>
+        <a:ea typeface="+mn-ea"/>
+        <a:cs typeface="+mn-cs"/>
+      </a:defRPr>
+    </a:lvl4pPr>
+    <a:lvl5pPr marL="1828800" algn="l" defTabSz="914400" rtl="0" eaLnBrk="1" latinLnBrk="0" hangingPunct="1">
+      <a:defRPr sz="1200" kern="1200">
+        <a:solidFill>
+          <a:schemeClr val="tx1"/>
+        </a:solidFill>
+        <a:latin typeface="+mn-lt"/>
+        <a:ea typeface="+mn-ea"/>
+        <a:cs typeface="+mn-cs"/>
+      </a:defRPr>
+    </a:lvl5pPr>
+    <a:lvl6pPr marL="2286000" algn="l" defTabSz="914400" rtl="0" eaLnBrk="1" latinLnBrk="0" hangingPunct="1">
+      <a:defRPr sz="1200" kern="1200">
+        <a:solidFill>
+          <a:schemeClr val="tx1"/>
+        </a:solidFill>
+        <a:latin typeface="+mn-lt"/>
+        <a:ea typeface="+mn-ea"/>
+        <a:cs typeface="+mn-cs"/>
+      </a:defRPr>
+    </a:lvl6pPr>
+    <a:lvl7pPr marL="2743200" algn="l" defTabSz="914400" rtl="0" eaLnBrk="1" latinLnBrk="0" hangingPunct="1">
+      <a:defRPr sz="1200" kern="1200">
+        <a:solidFill>
+          <a:schemeClr val="tx1"/>
+        </a:solidFill>
+        <a:latin typeface="+mn-lt"/>
+        <a:ea typeface="+mn-ea"/>
+        <a:cs typeface="+mn-cs"/>
+      </a:defRPr>
+    </a:lvl7pPr>
+    <a:lvl8pPr marL="3200400" algn="l" defTabSz="914400" rtl="0" eaLnBrk="1" latinLnBrk="0" hangingPunct="1">
+      <a:defRPr sz="1200" kern="1200">
+        <a:solidFill>
+          <a:schemeClr val="tx1"/>
+        </a:solidFill>
+        <a:latin typeface="+mn-lt"/>
+        <a:ea typeface="+mn-ea"/>
+        <a:cs typeface="+mn-cs"/>
+      </a:defRPr>
+    </a:lvl8pPr>
+    <a:lvl9pPr marL="3657600" algn="l" defTabSz="914400" rtl="0" eaLnBrk="1" latinLnBrk="0" hangingPunct="1">
+      <a:defRPr sz="1200" kern="1200">
+        <a:solidFill>
+          <a:schemeClr val="tx1"/>
+        </a:solidFill>
+        <a:latin typeface="+mn-lt"/>
+        <a:ea typeface="+mn-ea"/>
+        <a:cs typeface="+mn-cs"/>
+      </a:defRPr>
+    </a:lvl9pPr>
+  </p:notesStyle>
+</p:notesMaster>
+</file>
+
+<file path=ppt/notesSlides/notesSlide1.xml><?xml version="1.0" encoding="utf-8"?>
+<p:notes xmlns:a="http://schemas.openxmlformats.org/drawingml/2006/main" xmlns:r="http://schemas.openxmlformats.org/officeDocument/2006/relationships" xmlns:p="http://schemas.openxmlformats.org/presentationml/2006/main">
+  <p:cSld>
+    <p:spTree>
+      <p:nvGrpSpPr>
+        <p:cNvPr id="1" name=""/>
+        <p:cNvGrpSpPr/>
+        <p:nvPr/>
+      </p:nvGrpSpPr>
+      <p:grpSpPr>
+        <a:xfrm>
+          <a:off x="0" y="0"/>
+          <a:ext cx="0" cy="0"/>
+          <a:chOff x="0" y="0"/>
+          <a:chExt cx="0" cy="0"/>
+        </a:xfrm>
+      </p:grpSpPr>
+      <p:sp>
+        <p:nvSpPr>
+          <p:cNvPr id="2" name="Folienbildplatzhalter 1"/>
+          <p:cNvSpPr>
+            <a:spLocks noGrp="1" noRot="1" noChangeAspect="1"/>
+          </p:cNvSpPr>
+          <p:nvPr>
+            <p:ph type="sldImg"/>
+          </p:nvPr>
+        </p:nvSpPr>
+        <p:spPr/>
+      </p:sp>
+      <p:sp>
+        <p:nvSpPr>
+          <p:cNvPr id="3" name="Notizenplatzhalter 2"/>
+          <p:cNvSpPr>
+            <a:spLocks noGrp="1"/>
+          </p:cNvSpPr>
+          <p:nvPr>
+            <p:ph type="body" idx="1"/>
+          </p:nvPr>
+        </p:nvSpPr>
+        <p:spPr/>
+        <p:txBody>
+          <a:bodyPr/>
+          <a:lstStyle/>
+          <a:p>
+            <a:r>
+              <a:rPr lang="de-DE" dirty="0" smtClean="0"/>
+              <a:t>TOP = </a:t>
+            </a:r>
+            <a:r>
+              <a:rPr lang="de-DE" dirty="0" err="1" smtClean="0"/>
+              <a:t>TagesOrdnungsPunkt</a:t>
+            </a:r>
+            <a:endParaRPr lang="de-DE" dirty="0"/>
+          </a:p>
+        </p:txBody>
+      </p:sp>
+      <p:sp>
+        <p:nvSpPr>
+          <p:cNvPr id="4" name="Foliennummernplatzhalter 3"/>
+          <p:cNvSpPr>
+            <a:spLocks noGrp="1"/>
+          </p:cNvSpPr>
+          <p:nvPr>
+            <p:ph type="sldNum" sz="quarter" idx="10"/>
+          </p:nvPr>
+        </p:nvSpPr>
+        <p:spPr/>
+        <p:txBody>
+          <a:bodyPr/>
+          <a:lstStyle/>
+          <a:p>
+            <a:fld id="{E7A262DB-C215-47D5-8C19-CDD2E9E2146E}" type="slidenum">
+              <a:rPr lang="de-DE" smtClean="0"/>
+              <a:pPr/>
+              <a:t>11</a:t>
+            </a:fld>
+            <a:endParaRPr lang="de-DE"/>
+          </a:p>
+        </p:txBody>
+      </p:sp>
+    </p:spTree>
+    <p:extLst>
+      <p:ext uri="{BB962C8B-B14F-4D97-AF65-F5344CB8AC3E}">
+        <p14:creationId xmlns:p14="http://schemas.microsoft.com/office/powerpoint/2010/main" xmlns="" val="40633430"/>
+      </p:ext>
+    </p:extLst>
+  </p:cSld>
+  <p:clrMapOvr>
+    <a:masterClrMapping/>
+  </p:clrMapOvr>
+</p:notes>
 </file>
 
 <file path=ppt/slideLayouts/slideLayout1.xml><?xml version="1.0" encoding="utf-8"?>
@@ -3150,6 +3598,1367 @@
 </p:sld>
 </file>
 
+<file path=ppt/slides/slide10.xml><?xml version="1.0" encoding="utf-8"?>
+<p:sld xmlns:a="http://schemas.openxmlformats.org/drawingml/2006/main" xmlns:r="http://schemas.openxmlformats.org/officeDocument/2006/relationships" xmlns:p="http://schemas.openxmlformats.org/presentationml/2006/main">
+  <p:cSld>
+    <p:spTree>
+      <p:nvGrpSpPr>
+        <p:cNvPr id="1" name=""/>
+        <p:cNvGrpSpPr/>
+        <p:nvPr/>
+      </p:nvGrpSpPr>
+      <p:grpSpPr>
+        <a:xfrm>
+          <a:off x="0" y="0"/>
+          <a:ext cx="0" cy="0"/>
+          <a:chOff x="0" y="0"/>
+          <a:chExt cx="0" cy="0"/>
+        </a:xfrm>
+      </p:grpSpPr>
+      <p:pic>
+        <p:nvPicPr>
+          <p:cNvPr id="3074" name="Picture 2"/>
+          <p:cNvPicPr>
+            <a:picLocks noChangeAspect="1" noChangeArrowheads="1"/>
+          </p:cNvPicPr>
+          <p:nvPr/>
+        </p:nvPicPr>
+        <p:blipFill>
+          <a:blip r:embed="rId2">
+            <a:extLst>
+              <a:ext uri="{28A0092B-C50C-407E-A947-70E740481C1C}">
+                <a14:useLocalDpi xmlns:a14="http://schemas.microsoft.com/office/drawing/2010/main" xmlns="" val="0"/>
+              </a:ext>
+            </a:extLst>
+          </a:blip>
+          <a:srcRect/>
+          <a:stretch>
+            <a:fillRect/>
+          </a:stretch>
+        </p:blipFill>
+        <p:spPr bwMode="auto">
+          <a:xfrm>
+            <a:off x="16467" y="1556792"/>
+            <a:ext cx="9111068" cy="5040559"/>
+          </a:xfrm>
+          <a:prstGeom prst="rect">
+            <a:avLst/>
+          </a:prstGeom>
+          <a:noFill/>
+          <a:ln>
+            <a:noFill/>
+          </a:ln>
+          <a:effectLst/>
+          <a:extLst>
+            <a:ext uri="{909E8E84-426E-40DD-AFC4-6F175D3DCCD1}">
+              <a14:hiddenFill xmlns:a14="http://schemas.microsoft.com/office/drawing/2010/main" xmlns="">
+                <a:solidFill>
+                  <a:schemeClr val="accent1"/>
+                </a:solidFill>
+              </a14:hiddenFill>
+            </a:ext>
+            <a:ext uri="{91240B29-F687-4F45-9708-019B960494DF}">
+              <a14:hiddenLine xmlns:a14="http://schemas.microsoft.com/office/drawing/2010/main" xmlns="" w="9525">
+                <a:solidFill>
+                  <a:schemeClr val="tx1"/>
+                </a:solidFill>
+                <a:miter lim="800000"/>
+                <a:headEnd/>
+                <a:tailEnd/>
+              </a14:hiddenLine>
+            </a:ext>
+            <a:ext uri="{AF507438-7753-43E0-B8FC-AC1667EBCBE1}">
+              <a14:hiddenEffects xmlns:a14="http://schemas.microsoft.com/office/drawing/2010/main" xmlns="">
+                <a:effectLst>
+                  <a:outerShdw dist="35921" dir="2700000" algn="ctr" rotWithShape="0">
+                    <a:schemeClr val="bg2"/>
+                  </a:outerShdw>
+                </a:effectLst>
+              </a14:hiddenEffects>
+            </a:ext>
+          </a:extLst>
+        </p:spPr>
+      </p:pic>
+      <p:sp>
+        <p:nvSpPr>
+          <p:cNvPr id="3" name="Titel 1"/>
+          <p:cNvSpPr txBox="1">
+            <a:spLocks/>
+          </p:cNvSpPr>
+          <p:nvPr/>
+        </p:nvSpPr>
+        <p:spPr>
+          <a:xfrm>
+            <a:off x="457200" y="274638"/>
+            <a:ext cx="8229600" cy="1143000"/>
+          </a:xfrm>
+          <a:prstGeom prst="rect">
+            <a:avLst/>
+          </a:prstGeom>
+        </p:spPr>
+        <p:txBody>
+          <a:bodyPr vert="horz" lIns="91440" tIns="45720" rIns="91440" bIns="45720" rtlCol="0" anchor="ctr">
+            <a:normAutofit/>
+          </a:bodyPr>
+          <a:lstStyle>
+            <a:lvl1pPr algn="ctr" defTabSz="914400" rtl="0" eaLnBrk="1" latinLnBrk="0" hangingPunct="1">
+              <a:spcBef>
+                <a:spcPct val="0"/>
+              </a:spcBef>
+              <a:buNone/>
+              <a:defRPr sz="4400" kern="1200">
+                <a:solidFill>
+                  <a:schemeClr val="tx1"/>
+                </a:solidFill>
+                <a:latin typeface="+mj-lt"/>
+                <a:ea typeface="+mj-ea"/>
+                <a:cs typeface="+mj-cs"/>
+              </a:defRPr>
+            </a:lvl1pPr>
+          </a:lstStyle>
+          <a:p>
+            <a:r>
+              <a:rPr lang="de-DE" dirty="0" smtClean="0"/>
+              <a:t>Soll-Ist-Vergleich</a:t>
+            </a:r>
+            <a:endParaRPr lang="de-DE" dirty="0"/>
+          </a:p>
+        </p:txBody>
+      </p:sp>
+    </p:spTree>
+    <p:extLst>
+      <p:ext uri="{BB962C8B-B14F-4D97-AF65-F5344CB8AC3E}">
+        <p14:creationId xmlns:p14="http://schemas.microsoft.com/office/powerpoint/2010/main" xmlns="" val="4058453900"/>
+      </p:ext>
+    </p:extLst>
+  </p:cSld>
+  <p:clrMapOvr>
+    <a:masterClrMapping/>
+  </p:clrMapOvr>
+  <p:timing>
+    <p:tnLst>
+      <p:par>
+        <p:cTn id="1" dur="indefinite" restart="never" nodeType="tmRoot"/>
+      </p:par>
+    </p:tnLst>
+  </p:timing>
+</p:sld>
+</file>
+
+<file path=ppt/slides/slide11.xml><?xml version="1.0" encoding="utf-8"?>
+<p:sld xmlns:a="http://schemas.openxmlformats.org/drawingml/2006/main" xmlns:r="http://schemas.openxmlformats.org/officeDocument/2006/relationships" xmlns:p="http://schemas.openxmlformats.org/presentationml/2006/main">
+  <p:cSld>
+    <p:spTree>
+      <p:nvGrpSpPr>
+        <p:cNvPr id="1" name=""/>
+        <p:cNvGrpSpPr/>
+        <p:nvPr/>
+      </p:nvGrpSpPr>
+      <p:grpSpPr>
+        <a:xfrm>
+          <a:off x="0" y="0"/>
+          <a:ext cx="0" cy="0"/>
+          <a:chOff x="0" y="0"/>
+          <a:chExt cx="0" cy="0"/>
+        </a:xfrm>
+      </p:grpSpPr>
+      <p:sp>
+        <p:nvSpPr>
+          <p:cNvPr id="2" name="Titel 1"/>
+          <p:cNvSpPr txBox="1">
+            <a:spLocks/>
+          </p:cNvSpPr>
+          <p:nvPr/>
+        </p:nvSpPr>
+        <p:spPr>
+          <a:xfrm>
+            <a:off x="457200" y="274638"/>
+            <a:ext cx="8229600" cy="1143000"/>
+          </a:xfrm>
+          <a:prstGeom prst="rect">
+            <a:avLst/>
+          </a:prstGeom>
+        </p:spPr>
+        <p:txBody>
+          <a:bodyPr vert="horz" lIns="91440" tIns="45720" rIns="91440" bIns="45720" rtlCol="0" anchor="ctr">
+            <a:normAutofit/>
+          </a:bodyPr>
+          <a:lstStyle>
+            <a:lvl1pPr algn="ctr" defTabSz="914400" rtl="0" eaLnBrk="1" latinLnBrk="0" hangingPunct="1">
+              <a:spcBef>
+                <a:spcPct val="0"/>
+              </a:spcBef>
+              <a:buNone/>
+              <a:defRPr sz="4400" kern="1200">
+                <a:solidFill>
+                  <a:schemeClr val="tx1"/>
+                </a:solidFill>
+                <a:latin typeface="+mj-lt"/>
+                <a:ea typeface="+mj-ea"/>
+                <a:cs typeface="+mj-cs"/>
+              </a:defRPr>
+            </a:lvl1pPr>
+          </a:lstStyle>
+          <a:p>
+            <a:r>
+              <a:rPr lang="de-DE" smtClean="0"/>
+              <a:t>Was wurde getestet</a:t>
+            </a:r>
+            <a:endParaRPr lang="de-DE" dirty="0"/>
+          </a:p>
+        </p:txBody>
+      </p:sp>
+      <p:sp>
+        <p:nvSpPr>
+          <p:cNvPr id="4" name="Inhaltsplatzhalter 2"/>
+          <p:cNvSpPr txBox="1">
+            <a:spLocks/>
+          </p:cNvSpPr>
+          <p:nvPr/>
+        </p:nvSpPr>
+        <p:spPr bwMode="auto">
+          <a:xfrm>
+            <a:off x="457200" y="1600200"/>
+            <a:ext cx="8229600" cy="4525963"/>
+          </a:xfrm>
+          <a:prstGeom prst="rect">
+            <a:avLst/>
+          </a:prstGeom>
+          <a:noFill/>
+          <a:ln w="9525">
+            <a:noFill/>
+            <a:miter lim="800000"/>
+            <a:headEnd/>
+            <a:tailEnd/>
+          </a:ln>
+        </p:spPr>
+        <p:txBody>
+          <a:bodyPr vert="horz" wrap="square" lIns="91440" tIns="45720" rIns="91440" bIns="45720" numCol="2" anchor="t" anchorCtr="0" compatLnSpc="1">
+            <a:prstTxWarp prst="textNoShape">
+              <a:avLst/>
+            </a:prstTxWarp>
+          </a:bodyPr>
+          <a:lstStyle>
+            <a:lvl1pPr marL="342900" indent="-342900" algn="l" rtl="0" eaLnBrk="1" fontAlgn="base" hangingPunct="1">
+              <a:spcBef>
+                <a:spcPct val="20000"/>
+              </a:spcBef>
+              <a:spcAft>
+                <a:spcPct val="0"/>
+              </a:spcAft>
+              <a:buFont typeface="Arial" pitchFamily="34" charset="0"/>
+              <a:buChar char="•"/>
+              <a:defRPr sz="3200" kern="1200">
+                <a:solidFill>
+                  <a:schemeClr val="tx1"/>
+                </a:solidFill>
+                <a:latin typeface="+mn-lt"/>
+                <a:ea typeface="+mn-ea"/>
+                <a:cs typeface="+mn-cs"/>
+              </a:defRPr>
+            </a:lvl1pPr>
+            <a:lvl2pPr marL="742950" indent="-285750" algn="l" rtl="0" eaLnBrk="1" fontAlgn="base" hangingPunct="1">
+              <a:spcBef>
+                <a:spcPct val="20000"/>
+              </a:spcBef>
+              <a:spcAft>
+                <a:spcPct val="0"/>
+              </a:spcAft>
+              <a:buFont typeface="Arial" pitchFamily="34" charset="0"/>
+              <a:buChar char="–"/>
+              <a:defRPr sz="2800" kern="1200">
+                <a:solidFill>
+                  <a:schemeClr val="tx1"/>
+                </a:solidFill>
+                <a:latin typeface="+mn-lt"/>
+                <a:ea typeface="+mn-ea"/>
+                <a:cs typeface="+mn-cs"/>
+              </a:defRPr>
+            </a:lvl2pPr>
+            <a:lvl3pPr marL="1143000" indent="-228600" algn="l" rtl="0" eaLnBrk="1" fontAlgn="base" hangingPunct="1">
+              <a:spcBef>
+                <a:spcPct val="20000"/>
+              </a:spcBef>
+              <a:spcAft>
+                <a:spcPct val="0"/>
+              </a:spcAft>
+              <a:buFont typeface="Arial" pitchFamily="34" charset="0"/>
+              <a:buChar char="•"/>
+              <a:defRPr sz="2400" kern="1200">
+                <a:solidFill>
+                  <a:schemeClr val="tx1"/>
+                </a:solidFill>
+                <a:latin typeface="+mn-lt"/>
+                <a:ea typeface="+mn-ea"/>
+                <a:cs typeface="+mn-cs"/>
+              </a:defRPr>
+            </a:lvl3pPr>
+            <a:lvl4pPr marL="1600200" indent="-228600" algn="l" rtl="0" eaLnBrk="1" fontAlgn="base" hangingPunct="1">
+              <a:spcBef>
+                <a:spcPct val="20000"/>
+              </a:spcBef>
+              <a:spcAft>
+                <a:spcPct val="0"/>
+              </a:spcAft>
+              <a:buFont typeface="Arial" pitchFamily="34" charset="0"/>
+              <a:buChar char="–"/>
+              <a:defRPr sz="2000" kern="1200">
+                <a:solidFill>
+                  <a:schemeClr val="tx1"/>
+                </a:solidFill>
+                <a:latin typeface="+mn-lt"/>
+                <a:ea typeface="+mn-ea"/>
+                <a:cs typeface="+mn-cs"/>
+              </a:defRPr>
+            </a:lvl4pPr>
+            <a:lvl5pPr marL="2057400" indent="-228600" algn="l" rtl="0" eaLnBrk="1" fontAlgn="base" hangingPunct="1">
+              <a:spcBef>
+                <a:spcPct val="20000"/>
+              </a:spcBef>
+              <a:spcAft>
+                <a:spcPct val="0"/>
+              </a:spcAft>
+              <a:buFont typeface="Arial" pitchFamily="34" charset="0"/>
+              <a:buChar char="»"/>
+              <a:defRPr sz="2000" kern="1200">
+                <a:solidFill>
+                  <a:schemeClr val="tx1"/>
+                </a:solidFill>
+                <a:latin typeface="+mn-lt"/>
+                <a:ea typeface="+mn-ea"/>
+                <a:cs typeface="+mn-cs"/>
+              </a:defRPr>
+            </a:lvl5pPr>
+            <a:lvl6pPr marL="2514600" indent="-228600" algn="l" defTabSz="914400" rtl="0" eaLnBrk="1" latinLnBrk="0" hangingPunct="1">
+              <a:spcBef>
+                <a:spcPct val="20000"/>
+              </a:spcBef>
+              <a:buFont typeface="Arial" pitchFamily="34" charset="0"/>
+              <a:buChar char="•"/>
+              <a:defRPr sz="2000" kern="1200">
+                <a:solidFill>
+                  <a:schemeClr val="tx1"/>
+                </a:solidFill>
+                <a:latin typeface="+mn-lt"/>
+                <a:ea typeface="+mn-ea"/>
+                <a:cs typeface="+mn-cs"/>
+              </a:defRPr>
+            </a:lvl6pPr>
+            <a:lvl7pPr marL="2971800" indent="-228600" algn="l" defTabSz="914400" rtl="0" eaLnBrk="1" latinLnBrk="0" hangingPunct="1">
+              <a:spcBef>
+                <a:spcPct val="20000"/>
+              </a:spcBef>
+              <a:buFont typeface="Arial" pitchFamily="34" charset="0"/>
+              <a:buChar char="•"/>
+              <a:defRPr sz="2000" kern="1200">
+                <a:solidFill>
+                  <a:schemeClr val="tx1"/>
+                </a:solidFill>
+                <a:latin typeface="+mn-lt"/>
+                <a:ea typeface="+mn-ea"/>
+                <a:cs typeface="+mn-cs"/>
+              </a:defRPr>
+            </a:lvl7pPr>
+            <a:lvl8pPr marL="3429000" indent="-228600" algn="l" defTabSz="914400" rtl="0" eaLnBrk="1" latinLnBrk="0" hangingPunct="1">
+              <a:spcBef>
+                <a:spcPct val="20000"/>
+              </a:spcBef>
+              <a:buFont typeface="Arial" pitchFamily="34" charset="0"/>
+              <a:buChar char="•"/>
+              <a:defRPr sz="2000" kern="1200">
+                <a:solidFill>
+                  <a:schemeClr val="tx1"/>
+                </a:solidFill>
+                <a:latin typeface="+mn-lt"/>
+                <a:ea typeface="+mn-ea"/>
+                <a:cs typeface="+mn-cs"/>
+              </a:defRPr>
+            </a:lvl8pPr>
+            <a:lvl9pPr marL="3886200" indent="-228600" algn="l" defTabSz="914400" rtl="0" eaLnBrk="1" latinLnBrk="0" hangingPunct="1">
+              <a:spcBef>
+                <a:spcPct val="20000"/>
+              </a:spcBef>
+              <a:buFont typeface="Arial" pitchFamily="34" charset="0"/>
+              <a:buChar char="•"/>
+              <a:defRPr sz="2000" kern="1200">
+                <a:solidFill>
+                  <a:schemeClr val="tx1"/>
+                </a:solidFill>
+                <a:latin typeface="+mn-lt"/>
+                <a:ea typeface="+mn-ea"/>
+                <a:cs typeface="+mn-cs"/>
+              </a:defRPr>
+            </a:lvl9pPr>
+          </a:lstStyle>
+          <a:p>
+            <a:pPr marL="342900" marR="0" lvl="0" indent="-342900" algn="l" defTabSz="914400" rtl="0" eaLnBrk="1" fontAlgn="base" latinLnBrk="0" hangingPunct="1">
+              <a:lnSpc>
+                <a:spcPct val="100000"/>
+              </a:lnSpc>
+              <a:spcBef>
+                <a:spcPct val="20000"/>
+              </a:spcBef>
+              <a:spcAft>
+                <a:spcPct val="0"/>
+              </a:spcAft>
+              <a:buClrTx/>
+              <a:buSzTx/>
+              <a:buFont typeface="Arial" pitchFamily="34" charset="0"/>
+              <a:buChar char="•"/>
+              <a:tabLst/>
+              <a:defRPr/>
+            </a:pPr>
+            <a:endParaRPr kumimoji="0" lang="de-DE" sz="3200" b="0" i="0" u="none" strike="noStrike" kern="1200" cap="none" spc="0" normalizeH="0" baseline="0" noProof="0" dirty="0" smtClean="0">
+              <a:ln>
+                <a:noFill/>
+              </a:ln>
+              <a:solidFill>
+                <a:sysClr val="windowText" lastClr="000000"/>
+              </a:solidFill>
+              <a:effectLst/>
+              <a:uLnTx/>
+              <a:uFillTx/>
+              <a:latin typeface="Calibri Light"/>
+              <a:ea typeface="+mn-ea"/>
+              <a:cs typeface="+mn-cs"/>
+            </a:endParaRPr>
+          </a:p>
+          <a:p>
+            <a:pPr marL="342900" marR="0" lvl="0" indent="-342900" algn="l" defTabSz="914400" rtl="0" eaLnBrk="1" fontAlgn="base" latinLnBrk="0" hangingPunct="1">
+              <a:lnSpc>
+                <a:spcPct val="100000"/>
+              </a:lnSpc>
+              <a:spcBef>
+                <a:spcPct val="20000"/>
+              </a:spcBef>
+              <a:spcAft>
+                <a:spcPct val="0"/>
+              </a:spcAft>
+              <a:buClrTx/>
+              <a:buSzTx/>
+              <a:buFont typeface="Arial" pitchFamily="34" charset="0"/>
+              <a:buChar char="•"/>
+              <a:tabLst/>
+              <a:defRPr/>
+            </a:pPr>
+            <a:r>
+              <a:rPr kumimoji="0" lang="de-DE" sz="3200" b="0" i="0" u="none" strike="noStrike" kern="1200" cap="none" spc="0" normalizeH="0" baseline="0" noProof="0" dirty="0" smtClean="0">
+                <a:ln>
+                  <a:noFill/>
+                </a:ln>
+                <a:solidFill>
+                  <a:sysClr val="windowText" lastClr="000000"/>
+                </a:solidFill>
+                <a:effectLst/>
+                <a:uLnTx/>
+                <a:uFillTx/>
+                <a:latin typeface="Calibri Light"/>
+                <a:ea typeface="+mn-ea"/>
+                <a:cs typeface="+mn-cs"/>
+              </a:rPr>
+              <a:t>Testdaten</a:t>
+            </a:r>
+            <a:r>
+              <a:rPr kumimoji="0" lang="de-DE" sz="3200" b="0" i="0" u="none" strike="noStrike" kern="1200" cap="none" spc="0" normalizeH="0" noProof="0" dirty="0" smtClean="0">
+                <a:ln>
+                  <a:noFill/>
+                </a:ln>
+                <a:solidFill>
+                  <a:sysClr val="windowText" lastClr="000000"/>
+                </a:solidFill>
+                <a:effectLst/>
+                <a:uLnTx/>
+                <a:uFillTx/>
+                <a:latin typeface="Calibri Light"/>
+                <a:ea typeface="+mn-ea"/>
+                <a:cs typeface="+mn-cs"/>
+              </a:rPr>
+              <a:t> in Datenbank</a:t>
+            </a:r>
+            <a:endParaRPr kumimoji="0" lang="de-DE" sz="3200" b="0" i="0" u="none" strike="noStrike" kern="1200" cap="none" spc="0" normalizeH="0" baseline="0" noProof="0" dirty="0" smtClean="0">
+              <a:ln>
+                <a:noFill/>
+              </a:ln>
+              <a:solidFill>
+                <a:sysClr val="windowText" lastClr="000000"/>
+              </a:solidFill>
+              <a:effectLst/>
+              <a:uLnTx/>
+              <a:uFillTx/>
+              <a:latin typeface="Calibri Light"/>
+              <a:ea typeface="+mn-ea"/>
+              <a:cs typeface="+mn-cs"/>
+            </a:endParaRPr>
+          </a:p>
+          <a:p>
+            <a:pPr marL="742950" marR="0" lvl="1" indent="-285750" algn="l" defTabSz="914400" rtl="0" eaLnBrk="1" fontAlgn="base" latinLnBrk="0" hangingPunct="1">
+              <a:lnSpc>
+                <a:spcPct val="100000"/>
+              </a:lnSpc>
+              <a:spcBef>
+                <a:spcPct val="20000"/>
+              </a:spcBef>
+              <a:spcAft>
+                <a:spcPct val="0"/>
+              </a:spcAft>
+              <a:buClrTx/>
+              <a:buSzTx/>
+              <a:buFont typeface="Arial" pitchFamily="34" charset="0"/>
+              <a:buChar char="–"/>
+              <a:tabLst/>
+              <a:defRPr/>
+            </a:pPr>
+            <a:r>
+              <a:rPr kumimoji="0" lang="de-DE" sz="2800" b="0" i="0" u="none" strike="noStrike" kern="1200" cap="none" spc="0" normalizeH="0" baseline="0" noProof="0" dirty="0" smtClean="0">
+                <a:ln>
+                  <a:noFill/>
+                </a:ln>
+                <a:solidFill>
+                  <a:sysClr val="windowText" lastClr="000000"/>
+                </a:solidFill>
+                <a:effectLst/>
+                <a:uLnTx/>
+                <a:uFillTx/>
+                <a:latin typeface="Calibri Light"/>
+                <a:ea typeface="+mn-ea"/>
+                <a:cs typeface="+mn-cs"/>
+              </a:rPr>
+              <a:t>Lehrer</a:t>
+            </a:r>
+          </a:p>
+          <a:p>
+            <a:pPr marL="742950" marR="0" lvl="1" indent="-285750" algn="l" defTabSz="914400" rtl="0" eaLnBrk="1" fontAlgn="base" latinLnBrk="0" hangingPunct="1">
+              <a:lnSpc>
+                <a:spcPct val="100000"/>
+              </a:lnSpc>
+              <a:spcBef>
+                <a:spcPct val="20000"/>
+              </a:spcBef>
+              <a:spcAft>
+                <a:spcPct val="0"/>
+              </a:spcAft>
+              <a:buClrTx/>
+              <a:buSzTx/>
+              <a:buFont typeface="Arial" pitchFamily="34" charset="0"/>
+              <a:buChar char="–"/>
+              <a:tabLst/>
+              <a:defRPr/>
+            </a:pPr>
+            <a:r>
+              <a:rPr kumimoji="0" lang="de-DE" sz="2800" b="0" i="0" u="none" strike="noStrike" kern="1200" cap="none" spc="0" normalizeH="0" baseline="0" noProof="0" dirty="0" smtClean="0">
+                <a:ln>
+                  <a:noFill/>
+                </a:ln>
+                <a:solidFill>
+                  <a:sysClr val="windowText" lastClr="000000"/>
+                </a:solidFill>
+                <a:effectLst/>
+                <a:uLnTx/>
+                <a:uFillTx/>
+                <a:latin typeface="Calibri Light"/>
+                <a:ea typeface="+mn-ea"/>
+                <a:cs typeface="+mn-cs"/>
+              </a:rPr>
+              <a:t>Protokolle</a:t>
+            </a:r>
+          </a:p>
+          <a:p>
+            <a:pPr marL="742950" marR="0" lvl="1" indent="-285750" algn="l" defTabSz="914400" rtl="0" eaLnBrk="1" fontAlgn="base" latinLnBrk="0" hangingPunct="1">
+              <a:lnSpc>
+                <a:spcPct val="100000"/>
+              </a:lnSpc>
+              <a:spcBef>
+                <a:spcPct val="20000"/>
+              </a:spcBef>
+              <a:spcAft>
+                <a:spcPct val="0"/>
+              </a:spcAft>
+              <a:buClrTx/>
+              <a:buSzTx/>
+              <a:buFont typeface="Arial" pitchFamily="34" charset="0"/>
+              <a:buChar char="–"/>
+              <a:tabLst/>
+              <a:defRPr/>
+            </a:pPr>
+            <a:r>
+              <a:rPr kumimoji="0" lang="de-DE" sz="2800" b="0" i="0" u="none" strike="noStrike" kern="1200" cap="none" spc="0" normalizeH="0" baseline="0" noProof="0" dirty="0" smtClean="0">
+                <a:ln>
+                  <a:noFill/>
+                </a:ln>
+                <a:solidFill>
+                  <a:sysClr val="windowText" lastClr="000000"/>
+                </a:solidFill>
+                <a:effectLst/>
+                <a:uLnTx/>
+                <a:uFillTx/>
+                <a:latin typeface="Calibri Light"/>
+                <a:ea typeface="+mn-ea"/>
+                <a:cs typeface="+mn-cs"/>
+              </a:rPr>
+              <a:t>Gruppen</a:t>
+            </a:r>
+          </a:p>
+          <a:p>
+            <a:pPr marL="742950" marR="0" lvl="1" indent="-285750" algn="l" defTabSz="914400" rtl="0" eaLnBrk="1" fontAlgn="base" latinLnBrk="0" hangingPunct="1">
+              <a:lnSpc>
+                <a:spcPct val="100000"/>
+              </a:lnSpc>
+              <a:spcBef>
+                <a:spcPct val="20000"/>
+              </a:spcBef>
+              <a:spcAft>
+                <a:spcPct val="0"/>
+              </a:spcAft>
+              <a:buClrTx/>
+              <a:buSzTx/>
+              <a:buFont typeface="Arial" pitchFamily="34" charset="0"/>
+              <a:buChar char="–"/>
+              <a:tabLst/>
+              <a:defRPr/>
+            </a:pPr>
+            <a:r>
+              <a:rPr kumimoji="0" lang="de-DE" sz="2800" b="0" i="0" u="none" strike="noStrike" kern="1200" cap="none" spc="0" normalizeH="0" baseline="0" noProof="0" dirty="0" smtClean="0">
+                <a:ln>
+                  <a:noFill/>
+                </a:ln>
+                <a:solidFill>
+                  <a:sysClr val="windowText" lastClr="000000"/>
+                </a:solidFill>
+                <a:effectLst/>
+                <a:uLnTx/>
+                <a:uFillTx/>
+                <a:latin typeface="Calibri Light"/>
+                <a:ea typeface="+mn-ea"/>
+                <a:cs typeface="+mn-cs"/>
+              </a:rPr>
+              <a:t>TOPs</a:t>
+            </a:r>
+          </a:p>
+          <a:p>
+            <a:pPr marL="0" marR="0" lvl="0" indent="0" algn="l" defTabSz="914400" rtl="0" eaLnBrk="1" fontAlgn="base" latinLnBrk="0" hangingPunct="1">
+              <a:lnSpc>
+                <a:spcPct val="100000"/>
+              </a:lnSpc>
+              <a:spcBef>
+                <a:spcPct val="20000"/>
+              </a:spcBef>
+              <a:spcAft>
+                <a:spcPct val="0"/>
+              </a:spcAft>
+              <a:buClrTx/>
+              <a:buSzTx/>
+              <a:buNone/>
+              <a:tabLst/>
+              <a:defRPr/>
+            </a:pPr>
+            <a:endParaRPr kumimoji="0" lang="de-DE" sz="3200" b="0" i="0" u="none" strike="noStrike" kern="1200" cap="none" spc="0" normalizeH="0" baseline="0" noProof="0" dirty="0" smtClean="0">
+              <a:ln>
+                <a:noFill/>
+              </a:ln>
+              <a:solidFill>
+                <a:sysClr val="windowText" lastClr="000000"/>
+              </a:solidFill>
+              <a:effectLst/>
+              <a:uLnTx/>
+              <a:uFillTx/>
+              <a:latin typeface="Calibri Light"/>
+              <a:ea typeface="+mn-ea"/>
+              <a:cs typeface="+mn-cs"/>
+            </a:endParaRPr>
+          </a:p>
+          <a:p>
+            <a:pPr marL="0" marR="0" lvl="0" indent="0" algn="l" defTabSz="914400" rtl="0" eaLnBrk="1" fontAlgn="base" latinLnBrk="0" hangingPunct="1">
+              <a:lnSpc>
+                <a:spcPct val="100000"/>
+              </a:lnSpc>
+              <a:spcBef>
+                <a:spcPct val="20000"/>
+              </a:spcBef>
+              <a:spcAft>
+                <a:spcPct val="0"/>
+              </a:spcAft>
+              <a:buClrTx/>
+              <a:buSzTx/>
+              <a:buNone/>
+              <a:tabLst/>
+              <a:defRPr/>
+            </a:pPr>
+            <a:endParaRPr lang="de-DE" dirty="0" smtClean="0">
+              <a:solidFill>
+                <a:sysClr val="windowText" lastClr="000000"/>
+              </a:solidFill>
+              <a:latin typeface="Calibri Light"/>
+            </a:endParaRPr>
+          </a:p>
+          <a:p>
+            <a:pPr marL="0" marR="0" lvl="0" indent="0" algn="l" defTabSz="914400" rtl="0" eaLnBrk="1" fontAlgn="base" latinLnBrk="0" hangingPunct="1">
+              <a:lnSpc>
+                <a:spcPct val="100000"/>
+              </a:lnSpc>
+              <a:spcBef>
+                <a:spcPct val="20000"/>
+              </a:spcBef>
+              <a:spcAft>
+                <a:spcPct val="0"/>
+              </a:spcAft>
+              <a:buClrTx/>
+              <a:buSzTx/>
+              <a:buNone/>
+              <a:tabLst/>
+              <a:defRPr/>
+            </a:pPr>
+            <a:endParaRPr lang="de-DE" dirty="0">
+              <a:solidFill>
+                <a:sysClr val="windowText" lastClr="000000"/>
+              </a:solidFill>
+              <a:latin typeface="Calibri Light"/>
+            </a:endParaRPr>
+          </a:p>
+          <a:p>
+            <a:r>
+              <a:rPr kumimoji="0" lang="de-DE" sz="3200" b="0" i="0" u="none" strike="noStrike" kern="1200" cap="none" spc="0" normalizeH="0" baseline="0" noProof="0" dirty="0" smtClean="0">
+                <a:ln>
+                  <a:noFill/>
+                </a:ln>
+                <a:solidFill>
+                  <a:sysClr val="windowText" lastClr="000000"/>
+                </a:solidFill>
+                <a:effectLst/>
+                <a:uLnTx/>
+                <a:uFillTx/>
+                <a:latin typeface="Calibri Light"/>
+                <a:ea typeface="+mn-ea"/>
+                <a:cs typeface="+mn-cs"/>
+              </a:rPr>
+              <a:t>Zugriff von überall</a:t>
+            </a:r>
+          </a:p>
+          <a:p>
+            <a:pPr lvl="1"/>
+            <a:r>
+              <a:rPr lang="de-DE" sz="2800" dirty="0" smtClean="0">
+                <a:solidFill>
+                  <a:sysClr val="windowText" lastClr="000000"/>
+                </a:solidFill>
+                <a:latin typeface="Calibri Light"/>
+              </a:rPr>
+              <a:t>Zuhause, Windows</a:t>
+            </a:r>
+            <a:endParaRPr lang="de-DE" dirty="0">
+              <a:solidFill>
+                <a:sysClr val="windowText" lastClr="000000"/>
+              </a:solidFill>
+              <a:latin typeface="Calibri Light"/>
+            </a:endParaRPr>
+          </a:p>
+          <a:p>
+            <a:pPr lvl="1"/>
+            <a:r>
+              <a:rPr lang="de-DE" dirty="0">
+                <a:solidFill>
+                  <a:sysClr val="windowText" lastClr="000000"/>
+                </a:solidFill>
+                <a:latin typeface="Calibri Light"/>
+              </a:rPr>
+              <a:t>Zuhause, </a:t>
+            </a:r>
+            <a:r>
+              <a:rPr lang="de-DE" dirty="0" smtClean="0">
+                <a:solidFill>
+                  <a:sysClr val="windowText" lastClr="000000"/>
+                </a:solidFill>
+                <a:latin typeface="Calibri Light"/>
+              </a:rPr>
+              <a:t>Linux</a:t>
+            </a:r>
+            <a:endParaRPr lang="de-DE" sz="2800" dirty="0" smtClean="0">
+              <a:solidFill>
+                <a:sysClr val="windowText" lastClr="000000"/>
+              </a:solidFill>
+              <a:latin typeface="Calibri Light"/>
+            </a:endParaRPr>
+          </a:p>
+          <a:p>
+            <a:pPr lvl="1"/>
+            <a:r>
+              <a:rPr kumimoji="0" lang="de-DE" b="0" i="0" u="none" strike="noStrike" kern="1200" cap="none" spc="0" normalizeH="0" baseline="0" noProof="0" dirty="0" smtClean="0">
+                <a:ln>
+                  <a:noFill/>
+                </a:ln>
+                <a:solidFill>
+                  <a:sysClr val="windowText" lastClr="000000"/>
+                </a:solidFill>
+                <a:effectLst/>
+                <a:uLnTx/>
+                <a:uFillTx/>
+                <a:latin typeface="Calibri Light"/>
+                <a:ea typeface="+mn-ea"/>
+                <a:cs typeface="+mn-cs"/>
+              </a:rPr>
+              <a:t>Schule, Windows</a:t>
+            </a:r>
+          </a:p>
+          <a:p>
+            <a:pPr lvl="1"/>
+            <a:r>
+              <a:rPr lang="de-DE" sz="2800" dirty="0" smtClean="0">
+                <a:solidFill>
+                  <a:sysClr val="windowText" lastClr="000000"/>
+                </a:solidFill>
+                <a:latin typeface="Calibri Light"/>
+              </a:rPr>
+              <a:t>Unterwegs, </a:t>
+            </a:r>
+            <a:r>
+              <a:rPr lang="de-DE" sz="2800" dirty="0" err="1" smtClean="0">
+                <a:solidFill>
+                  <a:sysClr val="windowText" lastClr="000000"/>
+                </a:solidFill>
+                <a:latin typeface="Calibri Light"/>
+              </a:rPr>
+              <a:t>Android</a:t>
+            </a:r>
+            <a:r>
+              <a:rPr kumimoji="0" lang="de-DE" sz="2800" b="0" i="0" u="none" strike="noStrike" kern="1200" cap="none" spc="0" normalizeH="0" baseline="0" noProof="0" dirty="0" smtClean="0">
+                <a:ln>
+                  <a:noFill/>
+                </a:ln>
+                <a:solidFill>
+                  <a:sysClr val="windowText" lastClr="000000"/>
+                </a:solidFill>
+                <a:effectLst/>
+                <a:uLnTx/>
+                <a:uFillTx/>
+                <a:latin typeface="Calibri Light"/>
+                <a:ea typeface="+mn-ea"/>
+                <a:cs typeface="+mn-cs"/>
+              </a:rPr>
+              <a:t> </a:t>
+            </a:r>
+          </a:p>
+          <a:p>
+            <a:pPr lvl="1"/>
+            <a:r>
+              <a:rPr lang="de-DE" dirty="0" smtClean="0">
+                <a:solidFill>
+                  <a:sysClr val="windowText" lastClr="000000"/>
+                </a:solidFill>
+                <a:latin typeface="Calibri Light"/>
+              </a:rPr>
+              <a:t>Unterwegs, </a:t>
+            </a:r>
+            <a:r>
+              <a:rPr lang="de-DE" dirty="0" err="1" smtClean="0">
+                <a:solidFill>
+                  <a:sysClr val="windowText" lastClr="000000"/>
+                </a:solidFill>
+                <a:latin typeface="Calibri Light"/>
+              </a:rPr>
+              <a:t>iOS</a:t>
+            </a:r>
+            <a:endParaRPr kumimoji="0" lang="de-DE" sz="3200" b="0" i="0" u="none" strike="noStrike" kern="1200" cap="none" spc="0" normalizeH="0" baseline="0" noProof="0" dirty="0" smtClean="0">
+              <a:ln>
+                <a:noFill/>
+              </a:ln>
+              <a:solidFill>
+                <a:sysClr val="windowText" lastClr="000000"/>
+              </a:solidFill>
+              <a:effectLst/>
+              <a:uLnTx/>
+              <a:uFillTx/>
+              <a:latin typeface="Calibri Light"/>
+              <a:ea typeface="+mn-ea"/>
+              <a:cs typeface="+mn-cs"/>
+            </a:endParaRPr>
+          </a:p>
+          <a:p>
+            <a:pPr marL="342900" marR="0" lvl="0" indent="-342900" algn="l" defTabSz="914400" rtl="0" eaLnBrk="1" fontAlgn="base" latinLnBrk="0" hangingPunct="1">
+              <a:lnSpc>
+                <a:spcPct val="100000"/>
+              </a:lnSpc>
+              <a:spcBef>
+                <a:spcPct val="20000"/>
+              </a:spcBef>
+              <a:spcAft>
+                <a:spcPct val="0"/>
+              </a:spcAft>
+              <a:buClrTx/>
+              <a:buSzTx/>
+              <a:buFont typeface="Arial" pitchFamily="34" charset="0"/>
+              <a:buChar char="•"/>
+              <a:tabLst/>
+              <a:defRPr/>
+            </a:pPr>
+            <a:endParaRPr kumimoji="0" lang="de-DE" sz="3200" b="0" i="0" u="none" strike="noStrike" kern="1200" cap="none" spc="0" normalizeH="0" baseline="0" noProof="0" dirty="0">
+              <a:ln>
+                <a:noFill/>
+              </a:ln>
+              <a:solidFill>
+                <a:sysClr val="windowText" lastClr="000000"/>
+              </a:solidFill>
+              <a:effectLst/>
+              <a:uLnTx/>
+              <a:uFillTx/>
+              <a:latin typeface="Calibri Light"/>
+              <a:ea typeface="+mn-ea"/>
+              <a:cs typeface="+mn-cs"/>
+            </a:endParaRPr>
+          </a:p>
+        </p:txBody>
+      </p:sp>
+    </p:spTree>
+    <p:extLst>
+      <p:ext uri="{BB962C8B-B14F-4D97-AF65-F5344CB8AC3E}">
+        <p14:creationId xmlns:p14="http://schemas.microsoft.com/office/powerpoint/2010/main" xmlns="" val="4058453900"/>
+      </p:ext>
+    </p:extLst>
+  </p:cSld>
+  <p:clrMapOvr>
+    <a:masterClrMapping/>
+  </p:clrMapOvr>
+  <p:timing>
+    <p:tnLst>
+      <p:par>
+        <p:cTn id="1" dur="indefinite" restart="never" nodeType="tmRoot"/>
+      </p:par>
+    </p:tnLst>
+  </p:timing>
+</p:sld>
+</file>
+
+<file path=ppt/slides/slide12.xml><?xml version="1.0" encoding="utf-8"?>
+<p:sld xmlns:a="http://schemas.openxmlformats.org/drawingml/2006/main" xmlns:r="http://schemas.openxmlformats.org/officeDocument/2006/relationships" xmlns:p="http://schemas.openxmlformats.org/presentationml/2006/main">
+  <p:cSld>
+    <p:spTree>
+      <p:nvGrpSpPr>
+        <p:cNvPr id="1" name=""/>
+        <p:cNvGrpSpPr/>
+        <p:nvPr/>
+      </p:nvGrpSpPr>
+      <p:grpSpPr>
+        <a:xfrm>
+          <a:off x="0" y="0"/>
+          <a:ext cx="0" cy="0"/>
+          <a:chOff x="0" y="0"/>
+          <a:chExt cx="0" cy="0"/>
+        </a:xfrm>
+      </p:grpSpPr>
+      <p:sp>
+        <p:nvSpPr>
+          <p:cNvPr id="4" name="Titel 1"/>
+          <p:cNvSpPr txBox="1">
+            <a:spLocks/>
+          </p:cNvSpPr>
+          <p:nvPr/>
+        </p:nvSpPr>
+        <p:spPr>
+          <a:xfrm>
+            <a:off x="457200" y="274638"/>
+            <a:ext cx="8229600" cy="1143000"/>
+          </a:xfrm>
+          <a:prstGeom prst="rect">
+            <a:avLst/>
+          </a:prstGeom>
+        </p:spPr>
+        <p:txBody>
+          <a:bodyPr vert="horz" lIns="91440" tIns="45720" rIns="91440" bIns="45720" rtlCol="0" anchor="ctr">
+            <a:normAutofit/>
+          </a:bodyPr>
+          <a:lstStyle>
+            <a:lvl1pPr algn="ctr" defTabSz="914400" rtl="0" eaLnBrk="1" latinLnBrk="0" hangingPunct="1">
+              <a:spcBef>
+                <a:spcPct val="0"/>
+              </a:spcBef>
+              <a:buNone/>
+              <a:defRPr sz="4400" kern="1200">
+                <a:solidFill>
+                  <a:schemeClr val="tx1"/>
+                </a:solidFill>
+                <a:latin typeface="+mj-lt"/>
+                <a:ea typeface="+mj-ea"/>
+                <a:cs typeface="+mj-cs"/>
+              </a:defRPr>
+            </a:lvl1pPr>
+          </a:lstStyle>
+          <a:p>
+            <a:r>
+              <a:rPr lang="de-DE" dirty="0" smtClean="0"/>
+              <a:t>Fazit</a:t>
+            </a:r>
+            <a:endParaRPr lang="de-DE" dirty="0"/>
+          </a:p>
+        </p:txBody>
+      </p:sp>
+      <p:pic>
+        <p:nvPicPr>
+          <p:cNvPr id="5" name="Grafik 4" descr="darts-155726_960_720.png"/>
+          <p:cNvPicPr>
+            <a:picLocks noChangeAspect="1"/>
+          </p:cNvPicPr>
+          <p:nvPr/>
+        </p:nvPicPr>
+        <p:blipFill>
+          <a:blip r:embed="rId2" cstate="print"/>
+          <a:stretch>
+            <a:fillRect/>
+          </a:stretch>
+        </p:blipFill>
+        <p:spPr>
+          <a:xfrm>
+            <a:off x="1571604" y="2071678"/>
+            <a:ext cx="2357454" cy="2611333"/>
+          </a:xfrm>
+          <a:prstGeom prst="rect">
+            <a:avLst/>
+          </a:prstGeom>
+        </p:spPr>
+      </p:pic>
+      <p:sp>
+        <p:nvSpPr>
+          <p:cNvPr id="6" name="Textfeld 5"/>
+          <p:cNvSpPr txBox="1"/>
+          <p:nvPr/>
+        </p:nvSpPr>
+        <p:spPr>
+          <a:xfrm>
+            <a:off x="1643042" y="4357694"/>
+            <a:ext cx="4143404" cy="230832"/>
+          </a:xfrm>
+          <a:prstGeom prst="rect">
+            <a:avLst/>
+          </a:prstGeom>
+          <a:noFill/>
+        </p:spPr>
+        <p:txBody>
+          <a:bodyPr wrap="square" rtlCol="0">
+            <a:spAutoFit/>
+          </a:bodyPr>
+          <a:lstStyle/>
+          <a:p>
+            <a:pPr marL="180975" indent="-180975">
+              <a:buClr>
+                <a:schemeClr val="accent1"/>
+              </a:buClr>
+            </a:pPr>
+            <a:r>
+              <a:rPr lang="de-DE" sz="900" dirty="0" smtClean="0"/>
+              <a:t>pixabay.com (Copyright freie Bilder)</a:t>
+            </a:r>
+            <a:endParaRPr lang="de-DE" sz="900" dirty="0" smtClean="0">
+              <a:latin typeface="+mn-lt"/>
+            </a:endParaRPr>
+          </a:p>
+        </p:txBody>
+      </p:sp>
+      <p:sp>
+        <p:nvSpPr>
+          <p:cNvPr id="8" name="Inhaltsplatzhalter 2"/>
+          <p:cNvSpPr txBox="1">
+            <a:spLocks/>
+          </p:cNvSpPr>
+          <p:nvPr/>
+        </p:nvSpPr>
+        <p:spPr bwMode="auto">
+          <a:xfrm>
+            <a:off x="1500166" y="2500306"/>
+            <a:ext cx="8229600" cy="3411543"/>
+          </a:xfrm>
+          <a:prstGeom prst="rect">
+            <a:avLst/>
+          </a:prstGeom>
+          <a:noFill/>
+          <a:ln w="9525">
+            <a:noFill/>
+            <a:miter lim="800000"/>
+            <a:headEnd/>
+            <a:tailEnd/>
+          </a:ln>
+        </p:spPr>
+        <p:txBody>
+          <a:bodyPr vert="horz" wrap="square" lIns="91440" tIns="45720" rIns="91440" bIns="45720" numCol="1" anchor="t" anchorCtr="0" compatLnSpc="1">
+            <a:prstTxWarp prst="textNoShape">
+              <a:avLst/>
+            </a:prstTxWarp>
+          </a:bodyPr>
+          <a:lstStyle>
+            <a:lvl1pPr marL="342900" indent="-342900" algn="l" rtl="0" eaLnBrk="1" fontAlgn="base" hangingPunct="1">
+              <a:spcBef>
+                <a:spcPct val="20000"/>
+              </a:spcBef>
+              <a:spcAft>
+                <a:spcPct val="0"/>
+              </a:spcAft>
+              <a:buFont typeface="Arial" pitchFamily="34" charset="0"/>
+              <a:buChar char="•"/>
+              <a:defRPr sz="3200" kern="1200">
+                <a:solidFill>
+                  <a:schemeClr val="tx1"/>
+                </a:solidFill>
+                <a:latin typeface="+mn-lt"/>
+                <a:ea typeface="+mn-ea"/>
+                <a:cs typeface="+mn-cs"/>
+              </a:defRPr>
+            </a:lvl1pPr>
+            <a:lvl2pPr marL="742950" indent="-285750" algn="l" rtl="0" eaLnBrk="1" fontAlgn="base" hangingPunct="1">
+              <a:spcBef>
+                <a:spcPct val="20000"/>
+              </a:spcBef>
+              <a:spcAft>
+                <a:spcPct val="0"/>
+              </a:spcAft>
+              <a:buFont typeface="Arial" pitchFamily="34" charset="0"/>
+              <a:buChar char="–"/>
+              <a:defRPr sz="2800" kern="1200">
+                <a:solidFill>
+                  <a:schemeClr val="tx1"/>
+                </a:solidFill>
+                <a:latin typeface="+mn-lt"/>
+                <a:ea typeface="+mn-ea"/>
+                <a:cs typeface="+mn-cs"/>
+              </a:defRPr>
+            </a:lvl2pPr>
+            <a:lvl3pPr marL="1143000" indent="-228600" algn="l" rtl="0" eaLnBrk="1" fontAlgn="base" hangingPunct="1">
+              <a:spcBef>
+                <a:spcPct val="20000"/>
+              </a:spcBef>
+              <a:spcAft>
+                <a:spcPct val="0"/>
+              </a:spcAft>
+              <a:buFont typeface="Arial" pitchFamily="34" charset="0"/>
+              <a:buChar char="•"/>
+              <a:defRPr sz="2400" kern="1200">
+                <a:solidFill>
+                  <a:schemeClr val="tx1"/>
+                </a:solidFill>
+                <a:latin typeface="+mn-lt"/>
+                <a:ea typeface="+mn-ea"/>
+                <a:cs typeface="+mn-cs"/>
+              </a:defRPr>
+            </a:lvl3pPr>
+            <a:lvl4pPr marL="1600200" indent="-228600" algn="l" rtl="0" eaLnBrk="1" fontAlgn="base" hangingPunct="1">
+              <a:spcBef>
+                <a:spcPct val="20000"/>
+              </a:spcBef>
+              <a:spcAft>
+                <a:spcPct val="0"/>
+              </a:spcAft>
+              <a:buFont typeface="Arial" pitchFamily="34" charset="0"/>
+              <a:buChar char="–"/>
+              <a:defRPr sz="2000" kern="1200">
+                <a:solidFill>
+                  <a:schemeClr val="tx1"/>
+                </a:solidFill>
+                <a:latin typeface="+mn-lt"/>
+                <a:ea typeface="+mn-ea"/>
+                <a:cs typeface="+mn-cs"/>
+              </a:defRPr>
+            </a:lvl4pPr>
+            <a:lvl5pPr marL="2057400" indent="-228600" algn="l" rtl="0" eaLnBrk="1" fontAlgn="base" hangingPunct="1">
+              <a:spcBef>
+                <a:spcPct val="20000"/>
+              </a:spcBef>
+              <a:spcAft>
+                <a:spcPct val="0"/>
+              </a:spcAft>
+              <a:buFont typeface="Arial" pitchFamily="34" charset="0"/>
+              <a:buChar char="»"/>
+              <a:defRPr sz="2000" kern="1200">
+                <a:solidFill>
+                  <a:schemeClr val="tx1"/>
+                </a:solidFill>
+                <a:latin typeface="+mn-lt"/>
+                <a:ea typeface="+mn-ea"/>
+                <a:cs typeface="+mn-cs"/>
+              </a:defRPr>
+            </a:lvl5pPr>
+            <a:lvl6pPr marL="2514600" indent="-228600" algn="l" defTabSz="914400" rtl="0" eaLnBrk="1" latinLnBrk="0" hangingPunct="1">
+              <a:spcBef>
+                <a:spcPct val="20000"/>
+              </a:spcBef>
+              <a:buFont typeface="Arial" pitchFamily="34" charset="0"/>
+              <a:buChar char="•"/>
+              <a:defRPr sz="2000" kern="1200">
+                <a:solidFill>
+                  <a:schemeClr val="tx1"/>
+                </a:solidFill>
+                <a:latin typeface="+mn-lt"/>
+                <a:ea typeface="+mn-ea"/>
+                <a:cs typeface="+mn-cs"/>
+              </a:defRPr>
+            </a:lvl6pPr>
+            <a:lvl7pPr marL="2971800" indent="-228600" algn="l" defTabSz="914400" rtl="0" eaLnBrk="1" latinLnBrk="0" hangingPunct="1">
+              <a:spcBef>
+                <a:spcPct val="20000"/>
+              </a:spcBef>
+              <a:buFont typeface="Arial" pitchFamily="34" charset="0"/>
+              <a:buChar char="•"/>
+              <a:defRPr sz="2000" kern="1200">
+                <a:solidFill>
+                  <a:schemeClr val="tx1"/>
+                </a:solidFill>
+                <a:latin typeface="+mn-lt"/>
+                <a:ea typeface="+mn-ea"/>
+                <a:cs typeface="+mn-cs"/>
+              </a:defRPr>
+            </a:lvl7pPr>
+            <a:lvl8pPr marL="3429000" indent="-228600" algn="l" defTabSz="914400" rtl="0" eaLnBrk="1" latinLnBrk="0" hangingPunct="1">
+              <a:spcBef>
+                <a:spcPct val="20000"/>
+              </a:spcBef>
+              <a:buFont typeface="Arial" pitchFamily="34" charset="0"/>
+              <a:buChar char="•"/>
+              <a:defRPr sz="2000" kern="1200">
+                <a:solidFill>
+                  <a:schemeClr val="tx1"/>
+                </a:solidFill>
+                <a:latin typeface="+mn-lt"/>
+                <a:ea typeface="+mn-ea"/>
+                <a:cs typeface="+mn-cs"/>
+              </a:defRPr>
+            </a:lvl8pPr>
+            <a:lvl9pPr marL="3886200" indent="-228600" algn="l" defTabSz="914400" rtl="0" eaLnBrk="1" latinLnBrk="0" hangingPunct="1">
+              <a:spcBef>
+                <a:spcPct val="20000"/>
+              </a:spcBef>
+              <a:buFont typeface="Arial" pitchFamily="34" charset="0"/>
+              <a:buChar char="•"/>
+              <a:defRPr sz="2000" kern="1200">
+                <a:solidFill>
+                  <a:schemeClr val="tx1"/>
+                </a:solidFill>
+                <a:latin typeface="+mn-lt"/>
+                <a:ea typeface="+mn-ea"/>
+                <a:cs typeface="+mn-cs"/>
+              </a:defRPr>
+            </a:lvl9pPr>
+          </a:lstStyle>
+          <a:p>
+            <a:pPr marL="2057400" marR="0" lvl="4" indent="-228600" algn="l" defTabSz="914400" rtl="0" eaLnBrk="1" fontAlgn="base" latinLnBrk="0" hangingPunct="1">
+              <a:lnSpc>
+                <a:spcPct val="100000"/>
+              </a:lnSpc>
+              <a:spcBef>
+                <a:spcPct val="20000"/>
+              </a:spcBef>
+              <a:spcAft>
+                <a:spcPct val="0"/>
+              </a:spcAft>
+              <a:buClrTx/>
+              <a:buSzTx/>
+              <a:buFont typeface="Arial" pitchFamily="34" charset="0"/>
+              <a:buChar char="»"/>
+              <a:tabLst/>
+              <a:defRPr/>
+            </a:pPr>
+            <a:r>
+              <a:rPr kumimoji="0" lang="de-DE" sz="2400" b="0" i="0" u="none" strike="noStrike" kern="1200" cap="none" spc="0" normalizeH="0" baseline="0" noProof="0" smtClean="0">
+                <a:ln>
+                  <a:noFill/>
+                </a:ln>
+                <a:solidFill>
+                  <a:sysClr val="windowText" lastClr="000000"/>
+                </a:solidFill>
+                <a:effectLst/>
+                <a:uLnTx/>
+                <a:uFillTx/>
+                <a:latin typeface="Calibri Light"/>
+                <a:ea typeface="+mn-ea"/>
+                <a:cs typeface="+mn-cs"/>
+              </a:rPr>
+              <a:t>Zielerreichung</a:t>
+            </a:r>
+          </a:p>
+          <a:p>
+            <a:pPr marL="2057400" marR="0" lvl="4" indent="-228600" algn="l" defTabSz="914400" rtl="0" eaLnBrk="1" fontAlgn="base" latinLnBrk="0" hangingPunct="1">
+              <a:lnSpc>
+                <a:spcPct val="100000"/>
+              </a:lnSpc>
+              <a:spcBef>
+                <a:spcPct val="20000"/>
+              </a:spcBef>
+              <a:spcAft>
+                <a:spcPct val="0"/>
+              </a:spcAft>
+              <a:buClrTx/>
+              <a:buSzTx/>
+              <a:buFont typeface="Arial" pitchFamily="34" charset="0"/>
+              <a:buChar char="»"/>
+              <a:tabLst/>
+              <a:defRPr/>
+            </a:pPr>
+            <a:r>
+              <a:rPr kumimoji="0" lang="de-DE" sz="2400" b="0" i="0" u="none" strike="noStrike" kern="1200" cap="none" spc="0" normalizeH="0" baseline="0" noProof="0" smtClean="0">
+                <a:ln>
+                  <a:noFill/>
+                </a:ln>
+                <a:solidFill>
+                  <a:sysClr val="windowText" lastClr="000000"/>
+                </a:solidFill>
+                <a:effectLst/>
+                <a:uLnTx/>
+                <a:uFillTx/>
+                <a:latin typeface="Calibri Light"/>
+                <a:ea typeface="+mn-ea"/>
+                <a:cs typeface="+mn-cs"/>
+              </a:rPr>
+              <a:t>Gewonnene Kenntnisse</a:t>
+            </a:r>
+          </a:p>
+          <a:p>
+            <a:pPr marL="342900" marR="0" lvl="0" indent="-342900" algn="l" defTabSz="914400" rtl="0" eaLnBrk="1" fontAlgn="base" latinLnBrk="0" hangingPunct="1">
+              <a:lnSpc>
+                <a:spcPct val="100000"/>
+              </a:lnSpc>
+              <a:spcBef>
+                <a:spcPct val="20000"/>
+              </a:spcBef>
+              <a:spcAft>
+                <a:spcPct val="0"/>
+              </a:spcAft>
+              <a:buClrTx/>
+              <a:buSzTx/>
+              <a:buFont typeface="Arial" pitchFamily="34" charset="0"/>
+              <a:buChar char="•"/>
+              <a:tabLst/>
+              <a:defRPr/>
+            </a:pPr>
+            <a:endParaRPr kumimoji="0" lang="de-DE" sz="3200" b="0" i="0" u="none" strike="noStrike" kern="1200" cap="none" spc="0" normalizeH="0" baseline="0" noProof="0" dirty="0">
+              <a:ln>
+                <a:noFill/>
+              </a:ln>
+              <a:solidFill>
+                <a:sysClr val="windowText" lastClr="000000"/>
+              </a:solidFill>
+              <a:effectLst/>
+              <a:uLnTx/>
+              <a:uFillTx/>
+              <a:latin typeface="Calibri Light"/>
+              <a:ea typeface="+mn-ea"/>
+              <a:cs typeface="+mn-cs"/>
+            </a:endParaRPr>
+          </a:p>
+        </p:txBody>
+      </p:sp>
+    </p:spTree>
+    <p:extLst>
+      <p:ext uri="{BB962C8B-B14F-4D97-AF65-F5344CB8AC3E}">
+        <p14:creationId xmlns:p14="http://schemas.microsoft.com/office/powerpoint/2010/main" xmlns="" val="3651894450"/>
+      </p:ext>
+    </p:extLst>
+  </p:cSld>
+  <p:clrMapOvr>
+    <a:masterClrMapping/>
+  </p:clrMapOvr>
+  <p:timing>
+    <p:tnLst>
+      <p:par>
+        <p:cTn id="1" dur="indefinite" restart="never" nodeType="tmRoot"/>
+      </p:par>
+    </p:tnLst>
+  </p:timing>
+</p:sld>
+</file>
+
 <file path=ppt/slides/slide2.xml><?xml version="1.0" encoding="utf-8"?>
 <p:sld xmlns:a="http://schemas.openxmlformats.org/drawingml/2006/main" xmlns:r="http://schemas.openxmlformats.org/officeDocument/2006/relationships" xmlns:p="http://schemas.openxmlformats.org/presentationml/2006/main">
   <p:cSld>
@@ -4015,6 +5824,300 @@
   <p:clrMapOvr>
     <a:masterClrMapping/>
   </p:clrMapOvr>
+</p:sld>
+</file>
+
+<file path=ppt/slides/slide8.xml><?xml version="1.0" encoding="utf-8"?>
+<p:sld xmlns:a="http://schemas.openxmlformats.org/drawingml/2006/main" xmlns:r="http://schemas.openxmlformats.org/officeDocument/2006/relationships" xmlns:p="http://schemas.openxmlformats.org/presentationml/2006/main">
+  <p:cSld>
+    <p:spTree>
+      <p:nvGrpSpPr>
+        <p:cNvPr id="1" name=""/>
+        <p:cNvGrpSpPr/>
+        <p:nvPr/>
+      </p:nvGrpSpPr>
+      <p:grpSpPr>
+        <a:xfrm>
+          <a:off x="0" y="0"/>
+          <a:ext cx="0" cy="0"/>
+          <a:chOff x="0" y="0"/>
+          <a:chExt cx="0" cy="0"/>
+        </a:xfrm>
+      </p:grpSpPr>
+      <p:pic>
+        <p:nvPicPr>
+          <p:cNvPr id="1026" name="Picture 2"/>
+          <p:cNvPicPr>
+            <a:picLocks noChangeAspect="1" noChangeArrowheads="1"/>
+          </p:cNvPicPr>
+          <p:nvPr/>
+        </p:nvPicPr>
+        <p:blipFill>
+          <a:blip r:embed="rId2">
+            <a:extLst>
+              <a:ext uri="{28A0092B-C50C-407E-A947-70E740481C1C}">
+                <a14:useLocalDpi xmlns:a14="http://schemas.microsoft.com/office/drawing/2010/main" xmlns="" val="0"/>
+              </a:ext>
+            </a:extLst>
+          </a:blip>
+          <a:srcRect/>
+          <a:stretch>
+            <a:fillRect/>
+          </a:stretch>
+        </p:blipFill>
+        <p:spPr bwMode="auto">
+          <a:xfrm>
+            <a:off x="117740" y="1251172"/>
+            <a:ext cx="8908520" cy="5130156"/>
+          </a:xfrm>
+          <a:prstGeom prst="rect">
+            <a:avLst/>
+          </a:prstGeom>
+          <a:noFill/>
+          <a:ln>
+            <a:noFill/>
+          </a:ln>
+          <a:effectLst/>
+          <a:extLst>
+            <a:ext uri="{909E8E84-426E-40DD-AFC4-6F175D3DCCD1}">
+              <a14:hiddenFill xmlns:a14="http://schemas.microsoft.com/office/drawing/2010/main" xmlns="">
+                <a:solidFill>
+                  <a:schemeClr val="accent1"/>
+                </a:solidFill>
+              </a14:hiddenFill>
+            </a:ext>
+            <a:ext uri="{91240B29-F687-4F45-9708-019B960494DF}">
+              <a14:hiddenLine xmlns:a14="http://schemas.microsoft.com/office/drawing/2010/main" xmlns="" w="9525">
+                <a:solidFill>
+                  <a:schemeClr val="tx1"/>
+                </a:solidFill>
+                <a:miter lim="800000"/>
+                <a:headEnd/>
+                <a:tailEnd/>
+              </a14:hiddenLine>
+            </a:ext>
+            <a:ext uri="{AF507438-7753-43E0-B8FC-AC1667EBCBE1}">
+              <a14:hiddenEffects xmlns:a14="http://schemas.microsoft.com/office/drawing/2010/main" xmlns="">
+                <a:effectLst>
+                  <a:outerShdw dist="35921" dir="2700000" algn="ctr" rotWithShape="0">
+                    <a:schemeClr val="bg2"/>
+                  </a:outerShdw>
+                </a:effectLst>
+              </a14:hiddenEffects>
+            </a:ext>
+          </a:extLst>
+        </p:spPr>
+      </p:pic>
+      <p:sp>
+        <p:nvSpPr>
+          <p:cNvPr id="83" name="Titel 1"/>
+          <p:cNvSpPr txBox="1">
+            <a:spLocks/>
+          </p:cNvSpPr>
+          <p:nvPr/>
+        </p:nvSpPr>
+        <p:spPr>
+          <a:xfrm>
+            <a:off x="457200" y="274638"/>
+            <a:ext cx="8229600" cy="1143000"/>
+          </a:xfrm>
+          <a:prstGeom prst="rect">
+            <a:avLst/>
+          </a:prstGeom>
+        </p:spPr>
+        <p:txBody>
+          <a:bodyPr vert="horz" lIns="91440" tIns="45720" rIns="91440" bIns="45720" rtlCol="0" anchor="ctr">
+            <a:normAutofit/>
+          </a:bodyPr>
+          <a:lstStyle>
+            <a:lvl1pPr algn="ctr" defTabSz="914400" rtl="0" eaLnBrk="1" latinLnBrk="0" hangingPunct="1">
+              <a:spcBef>
+                <a:spcPct val="0"/>
+              </a:spcBef>
+              <a:buNone/>
+              <a:defRPr sz="4400" kern="1200">
+                <a:solidFill>
+                  <a:schemeClr val="tx1"/>
+                </a:solidFill>
+                <a:latin typeface="+mj-lt"/>
+                <a:ea typeface="+mj-ea"/>
+                <a:cs typeface="+mj-cs"/>
+              </a:defRPr>
+            </a:lvl1pPr>
+          </a:lstStyle>
+          <a:p>
+            <a:r>
+              <a:rPr lang="de-DE" dirty="0" smtClean="0"/>
+              <a:t>Aktivitätsdiagramm (Ausschnitt)</a:t>
+            </a:r>
+            <a:endParaRPr lang="de-DE" dirty="0"/>
+          </a:p>
+        </p:txBody>
+      </p:sp>
+    </p:spTree>
+    <p:extLst>
+      <p:ext uri="{BB962C8B-B14F-4D97-AF65-F5344CB8AC3E}">
+        <p14:creationId xmlns:p14="http://schemas.microsoft.com/office/powerpoint/2010/main" xmlns="" val="3651894450"/>
+      </p:ext>
+    </p:extLst>
+  </p:cSld>
+  <p:clrMapOvr>
+    <a:masterClrMapping/>
+  </p:clrMapOvr>
+  <p:timing>
+    <p:tnLst>
+      <p:par>
+        <p:cTn id="1" dur="indefinite" restart="never" nodeType="tmRoot"/>
+      </p:par>
+    </p:tnLst>
+  </p:timing>
+</p:sld>
+</file>
+
+<file path=ppt/slides/slide9.xml><?xml version="1.0" encoding="utf-8"?>
+<p:sld xmlns:a="http://schemas.openxmlformats.org/drawingml/2006/main" xmlns:r="http://schemas.openxmlformats.org/officeDocument/2006/relationships" xmlns:p="http://schemas.openxmlformats.org/presentationml/2006/main">
+  <p:cSld>
+    <p:spTree>
+      <p:nvGrpSpPr>
+        <p:cNvPr id="1" name=""/>
+        <p:cNvGrpSpPr/>
+        <p:nvPr/>
+      </p:nvGrpSpPr>
+      <p:grpSpPr>
+        <a:xfrm>
+          <a:off x="0" y="0"/>
+          <a:ext cx="0" cy="0"/>
+          <a:chOff x="0" y="0"/>
+          <a:chExt cx="0" cy="0"/>
+        </a:xfrm>
+      </p:grpSpPr>
+      <p:sp>
+        <p:nvSpPr>
+          <p:cNvPr id="83" name="Titel 1"/>
+          <p:cNvSpPr txBox="1">
+            <a:spLocks/>
+          </p:cNvSpPr>
+          <p:nvPr/>
+        </p:nvSpPr>
+        <p:spPr>
+          <a:xfrm>
+            <a:off x="457200" y="274638"/>
+            <a:ext cx="8229600" cy="1143000"/>
+          </a:xfrm>
+          <a:prstGeom prst="rect">
+            <a:avLst/>
+          </a:prstGeom>
+        </p:spPr>
+        <p:txBody>
+          <a:bodyPr vert="horz" lIns="91440" tIns="45720" rIns="91440" bIns="45720" rtlCol="0" anchor="ctr">
+            <a:normAutofit/>
+          </a:bodyPr>
+          <a:lstStyle>
+            <a:lvl1pPr algn="ctr" defTabSz="914400" rtl="0" eaLnBrk="1" latinLnBrk="0" hangingPunct="1">
+              <a:spcBef>
+                <a:spcPct val="0"/>
+              </a:spcBef>
+              <a:buNone/>
+              <a:defRPr sz="4400" kern="1200">
+                <a:solidFill>
+                  <a:schemeClr val="tx1"/>
+                </a:solidFill>
+                <a:latin typeface="+mj-lt"/>
+                <a:ea typeface="+mj-ea"/>
+                <a:cs typeface="+mj-cs"/>
+              </a:defRPr>
+            </a:lvl1pPr>
+          </a:lstStyle>
+          <a:p>
+            <a:r>
+              <a:rPr lang="de-DE" dirty="0" smtClean="0"/>
+              <a:t>Sequenzdiagramm (Ausschnitt)</a:t>
+            </a:r>
+            <a:endParaRPr lang="de-DE" dirty="0"/>
+          </a:p>
+        </p:txBody>
+      </p:sp>
+      <p:pic>
+        <p:nvPicPr>
+          <p:cNvPr id="2050" name="Picture 2"/>
+          <p:cNvPicPr>
+            <a:picLocks noChangeAspect="1" noChangeArrowheads="1"/>
+          </p:cNvPicPr>
+          <p:nvPr/>
+        </p:nvPicPr>
+        <p:blipFill>
+          <a:blip r:embed="rId2">
+            <a:extLst>
+              <a:ext uri="{28A0092B-C50C-407E-A947-70E740481C1C}">
+                <a14:useLocalDpi xmlns:a14="http://schemas.microsoft.com/office/drawing/2010/main" xmlns="" val="0"/>
+              </a:ext>
+            </a:extLst>
+          </a:blip>
+          <a:srcRect/>
+          <a:stretch>
+            <a:fillRect/>
+          </a:stretch>
+        </p:blipFill>
+        <p:spPr bwMode="auto">
+          <a:xfrm>
+            <a:off x="647700" y="1196752"/>
+            <a:ext cx="7848600" cy="5661248"/>
+          </a:xfrm>
+          <a:prstGeom prst="rect">
+            <a:avLst/>
+          </a:prstGeom>
+          <a:noFill/>
+          <a:ln>
+            <a:noFill/>
+          </a:ln>
+          <a:effectLst/>
+          <a:extLst>
+            <a:ext uri="{909E8E84-426E-40DD-AFC4-6F175D3DCCD1}">
+              <a14:hiddenFill xmlns:a14="http://schemas.microsoft.com/office/drawing/2010/main" xmlns="">
+                <a:solidFill>
+                  <a:schemeClr val="accent1"/>
+                </a:solidFill>
+              </a14:hiddenFill>
+            </a:ext>
+            <a:ext uri="{91240B29-F687-4F45-9708-019B960494DF}">
+              <a14:hiddenLine xmlns:a14="http://schemas.microsoft.com/office/drawing/2010/main" xmlns="" w="9525">
+                <a:solidFill>
+                  <a:schemeClr val="tx1"/>
+                </a:solidFill>
+                <a:miter lim="800000"/>
+                <a:headEnd/>
+                <a:tailEnd/>
+              </a14:hiddenLine>
+            </a:ext>
+            <a:ext uri="{AF507438-7753-43E0-B8FC-AC1667EBCBE1}">
+              <a14:hiddenEffects xmlns:a14="http://schemas.microsoft.com/office/drawing/2010/main" xmlns="">
+                <a:effectLst>
+                  <a:outerShdw dist="35921" dir="2700000" algn="ctr" rotWithShape="0">
+                    <a:schemeClr val="bg2"/>
+                  </a:outerShdw>
+                </a:effectLst>
+              </a14:hiddenEffects>
+            </a:ext>
+          </a:extLst>
+        </p:spPr>
+      </p:pic>
+    </p:spTree>
+    <p:extLst>
+      <p:ext uri="{BB962C8B-B14F-4D97-AF65-F5344CB8AC3E}">
+        <p14:creationId xmlns:p14="http://schemas.microsoft.com/office/powerpoint/2010/main" xmlns="" val="3127642757"/>
+      </p:ext>
+    </p:extLst>
+  </p:cSld>
+  <p:clrMapOvr>
+    <a:masterClrMapping/>
+  </p:clrMapOvr>
+  <p:timing>
+    <p:tnLst>
+      <p:par>
+        <p:cTn id="1" dur="indefinite" restart="never" nodeType="tmRoot"/>
+      </p:par>
+    </p:tnLst>
+  </p:timing>
 </p:sld>
 </file>
 
@@ -4299,4 +6402,287 @@
   <a:objectDefaults/>
   <a:extraClrSchemeLst/>
 </a:theme>
+</file>
+
+<file path=ppt/theme/theme2.xml><?xml version="1.0" encoding="utf-8"?>
+<a:theme xmlns:a="http://schemas.openxmlformats.org/drawingml/2006/main" name="Larissa-Design">
+  <a:themeElements>
+    <a:clrScheme name="Larissa">
+      <a:dk1>
+        <a:sysClr val="windowText" lastClr="000000"/>
+      </a:dk1>
+      <a:lt1>
+        <a:sysClr val="window" lastClr="FFFFFF"/>
+      </a:lt1>
+      <a:dk2>
+        <a:srgbClr val="1F497D"/>
+      </a:dk2>
+      <a:lt2>
+        <a:srgbClr val="EEECE1"/>
+      </a:lt2>
+      <a:accent1>
+        <a:srgbClr val="4F81BD"/>
+      </a:accent1>
+      <a:accent2>
+        <a:srgbClr val="C0504D"/>
+      </a:accent2>
+      <a:accent3>
+        <a:srgbClr val="9BBB59"/>
+      </a:accent3>
+      <a:accent4>
+        <a:srgbClr val="8064A2"/>
+      </a:accent4>
+      <a:accent5>
+        <a:srgbClr val="4BACC6"/>
+      </a:accent5>
+      <a:accent6>
+        <a:srgbClr val="F79646"/>
+      </a:accent6>
+      <a:hlink>
+        <a:srgbClr val="0000FF"/>
+      </a:hlink>
+      <a:folHlink>
+        <a:srgbClr val="800080"/>
+      </a:folHlink>
+    </a:clrScheme>
+    <a:fontScheme name="Larissa">
+      <a:majorFont>
+        <a:latin typeface="Calibri"/>
+        <a:ea typeface=""/>
+        <a:cs typeface=""/>
+        <a:font script="Jpan" typeface="ＭＳ Ｐゴシック"/>
+        <a:font script="Hang" typeface="맑은 고딕"/>
+        <a:font script="Hans" typeface="宋体"/>
+        <a:font script="Hant" typeface="新細明體"/>
+        <a:font script="Arab" typeface="Times New Roman"/>
+        <a:font script="Hebr" typeface="Times New Roman"/>
+        <a:font script="Thai" typeface="Angsana New"/>
+        <a:font script="Ethi" typeface="Nyala"/>
+        <a:font script="Beng" typeface="Vrinda"/>
+        <a:font script="Gujr" typeface="Shruti"/>
+        <a:font script="Khmr" typeface="MoolBoran"/>
+        <a:font script="Knda" typeface="Tunga"/>
+        <a:font script="Guru" typeface="Raavi"/>
+        <a:font script="Cans" typeface="Euphemia"/>
+        <a:font script="Cher" typeface="Plantagenet Cherokee"/>
+        <a:font script="Yiii" typeface="Microsoft Yi Baiti"/>
+        <a:font script="Tibt" typeface="Microsoft Himalaya"/>
+        <a:font script="Thaa" typeface="MV Boli"/>
+        <a:font script="Deva" typeface="Mangal"/>
+        <a:font script="Telu" typeface="Gautami"/>
+        <a:font script="Taml" typeface="Latha"/>
+        <a:font script="Syrc" typeface="Estrangelo Edessa"/>
+        <a:font script="Orya" typeface="Kalinga"/>
+        <a:font script="Mlym" typeface="Kartika"/>
+        <a:font script="Laoo" typeface="DokChampa"/>
+        <a:font script="Sinh" typeface="Iskoola Pota"/>
+        <a:font script="Mong" typeface="Mongolian Baiti"/>
+        <a:font script="Viet" typeface="Times New Roman"/>
+        <a:font script="Uigh" typeface="Microsoft Uighur"/>
+      </a:majorFont>
+      <a:minorFont>
+        <a:latin typeface="Calibri"/>
+        <a:ea typeface=""/>
+        <a:cs typeface=""/>
+        <a:font script="Jpan" typeface="ＭＳ Ｐゴシック"/>
+        <a:font script="Hang" typeface="맑은 고딕"/>
+        <a:font script="Hans" typeface="宋体"/>
+        <a:font script="Hant" typeface="新細明體"/>
+        <a:font script="Arab" typeface="Arial"/>
+        <a:font script="Hebr" typeface="Arial"/>
+        <a:font script="Thai" typeface="Cordia New"/>
+        <a:font script="Ethi" typeface="Nyala"/>
+        <a:font script="Beng" typeface="Vrinda"/>
+        <a:font script="Gujr" typeface="Shruti"/>
+        <a:font script="Khmr" typeface="DaunPenh"/>
+        <a:font script="Knda" typeface="Tunga"/>
+        <a:font script="Guru" typeface="Raavi"/>
+        <a:font script="Cans" typeface="Euphemia"/>
+        <a:font script="Cher" typeface="Plantagenet Cherokee"/>
+        <a:font script="Yiii" typeface="Microsoft Yi Baiti"/>
+        <a:font script="Tibt" typeface="Microsoft Himalaya"/>
+        <a:font script="Thaa" typeface="MV Boli"/>
+        <a:font script="Deva" typeface="Mangal"/>
+        <a:font script="Telu" typeface="Gautami"/>
+        <a:font script="Taml" typeface="Latha"/>
+        <a:font script="Syrc" typeface="Estrangelo Edessa"/>
+        <a:font script="Orya" typeface="Kalinga"/>
+        <a:font script="Mlym" typeface="Kartika"/>
+        <a:font script="Laoo" typeface="DokChampa"/>
+        <a:font script="Sinh" typeface="Iskoola Pota"/>
+        <a:font script="Mong" typeface="Mongolian Baiti"/>
+        <a:font script="Viet" typeface="Arial"/>
+        <a:font script="Uigh" typeface="Microsoft Uighur"/>
+      </a:minorFont>
+    </a:fontScheme>
+    <a:fmtScheme name="Larissa">
+      <a:fillStyleLst>
+        <a:solidFill>
+          <a:schemeClr val="phClr"/>
+        </a:solidFill>
+        <a:gradFill rotWithShape="1">
+          <a:gsLst>
+            <a:gs pos="0">
+              <a:schemeClr val="phClr">
+                <a:tint val="50000"/>
+                <a:satMod val="300000"/>
+              </a:schemeClr>
+            </a:gs>
+            <a:gs pos="35000">
+              <a:schemeClr val="phClr">
+                <a:tint val="37000"/>
+                <a:satMod val="300000"/>
+              </a:schemeClr>
+            </a:gs>
+            <a:gs pos="100000">
+              <a:schemeClr val="phClr">
+                <a:tint val="15000"/>
+                <a:satMod val="350000"/>
+              </a:schemeClr>
+            </a:gs>
+          </a:gsLst>
+          <a:lin ang="16200000" scaled="1"/>
+        </a:gradFill>
+        <a:gradFill rotWithShape="1">
+          <a:gsLst>
+            <a:gs pos="0">
+              <a:schemeClr val="phClr">
+                <a:shade val="51000"/>
+                <a:satMod val="130000"/>
+              </a:schemeClr>
+            </a:gs>
+            <a:gs pos="80000">
+              <a:schemeClr val="phClr">
+                <a:shade val="93000"/>
+                <a:satMod val="130000"/>
+              </a:schemeClr>
+            </a:gs>
+            <a:gs pos="100000">
+              <a:schemeClr val="phClr">
+                <a:shade val="94000"/>
+                <a:satMod val="135000"/>
+              </a:schemeClr>
+            </a:gs>
+          </a:gsLst>
+          <a:lin ang="16200000" scaled="0"/>
+        </a:gradFill>
+      </a:fillStyleLst>
+      <a:lnStyleLst>
+        <a:ln w="9525" cap="flat" cmpd="sng" algn="ctr">
+          <a:solidFill>
+            <a:schemeClr val="phClr">
+              <a:shade val="95000"/>
+              <a:satMod val="105000"/>
+            </a:schemeClr>
+          </a:solidFill>
+          <a:prstDash val="solid"/>
+        </a:ln>
+        <a:ln w="25400" cap="flat" cmpd="sng" algn="ctr">
+          <a:solidFill>
+            <a:schemeClr val="phClr"/>
+          </a:solidFill>
+          <a:prstDash val="solid"/>
+        </a:ln>
+        <a:ln w="38100" cap="flat" cmpd="sng" algn="ctr">
+          <a:solidFill>
+            <a:schemeClr val="phClr"/>
+          </a:solidFill>
+          <a:prstDash val="solid"/>
+        </a:ln>
+      </a:lnStyleLst>
+      <a:effectStyleLst>
+        <a:effectStyle>
+          <a:effectLst>
+            <a:outerShdw blurRad="40000" dist="20000" dir="5400000" rotWithShape="0">
+              <a:srgbClr val="000000">
+                <a:alpha val="38000"/>
+              </a:srgbClr>
+            </a:outerShdw>
+          </a:effectLst>
+        </a:effectStyle>
+        <a:effectStyle>
+          <a:effectLst>
+            <a:outerShdw blurRad="40000" dist="23000" dir="5400000" rotWithShape="0">
+              <a:srgbClr val="000000">
+                <a:alpha val="35000"/>
+              </a:srgbClr>
+            </a:outerShdw>
+          </a:effectLst>
+        </a:effectStyle>
+        <a:effectStyle>
+          <a:effectLst>
+            <a:outerShdw blurRad="40000" dist="23000" dir="5400000" rotWithShape="0">
+              <a:srgbClr val="000000">
+                <a:alpha val="35000"/>
+              </a:srgbClr>
+            </a:outerShdw>
+          </a:effectLst>
+          <a:scene3d>
+            <a:camera prst="orthographicFront">
+              <a:rot lat="0" lon="0" rev="0"/>
+            </a:camera>
+            <a:lightRig rig="threePt" dir="t">
+              <a:rot lat="0" lon="0" rev="1200000"/>
+            </a:lightRig>
+          </a:scene3d>
+          <a:sp3d>
+            <a:bevelT w="63500" h="25400"/>
+          </a:sp3d>
+        </a:effectStyle>
+      </a:effectStyleLst>
+      <a:bgFillStyleLst>
+        <a:solidFill>
+          <a:schemeClr val="phClr"/>
+        </a:solidFill>
+        <a:gradFill rotWithShape="1">
+          <a:gsLst>
+            <a:gs pos="0">
+              <a:schemeClr val="phClr">
+                <a:tint val="40000"/>
+                <a:satMod val="350000"/>
+              </a:schemeClr>
+            </a:gs>
+            <a:gs pos="40000">
+              <a:schemeClr val="phClr">
+                <a:tint val="45000"/>
+                <a:shade val="99000"/>
+                <a:satMod val="350000"/>
+              </a:schemeClr>
+            </a:gs>
+            <a:gs pos="100000">
+              <a:schemeClr val="phClr">
+                <a:shade val="20000"/>
+                <a:satMod val="255000"/>
+              </a:schemeClr>
+            </a:gs>
+          </a:gsLst>
+          <a:path path="circle">
+            <a:fillToRect l="50000" t="-80000" r="50000" b="180000"/>
+          </a:path>
+        </a:gradFill>
+        <a:gradFill rotWithShape="1">
+          <a:gsLst>
+            <a:gs pos="0">
+              <a:schemeClr val="phClr">
+                <a:tint val="80000"/>
+                <a:satMod val="300000"/>
+              </a:schemeClr>
+            </a:gs>
+            <a:gs pos="100000">
+              <a:schemeClr val="phClr">
+                <a:shade val="30000"/>
+                <a:satMod val="200000"/>
+              </a:schemeClr>
+            </a:gs>
+          </a:gsLst>
+          <a:path path="circle">
+            <a:fillToRect l="50000" t="50000" r="50000" b="50000"/>
+          </a:path>
+        </a:gradFill>
+      </a:bgFillStyleLst>
+    </a:fmtScheme>
+  </a:themeElements>
+  <a:objectDefaults/>
+  <a:extraClrSchemeLst/>
+</a:theme>
 </file>
--- a/Präsentation/FIA63Gruppe#3.pptx
+++ b/Präsentation/FIA63Gruppe#3.pptx
@@ -203,6 +203,7 @@
           <a:p>
             <a:fld id="{F5DE3170-5555-4B3A-9FAD-136590618D7B}" type="datetimeFigureOut">
               <a:rPr lang="de-DE" smtClean="0"/>
+              <a:pPr/>
               <a:t>22.11.2018</a:t>
             </a:fld>
             <a:endParaRPr lang="de-DE"/>
@@ -364,6 +365,7 @@
           <a:p>
             <a:fld id="{CD6DC267-2BB3-48C8-81DA-2E2C729E25B2}" type="slidenum">
               <a:rPr lang="de-DE" smtClean="0"/>
+              <a:pPr/>
               <a:t>‹Nr.›</a:t>
             </a:fld>
             <a:endParaRPr lang="de-DE"/>
@@ -551,7 +553,7 @@
     </p:spTree>
     <p:extLst>
       <p:ext uri="{BB962C8B-B14F-4D97-AF65-F5344CB8AC3E}">
-        <p14:creationId xmlns:p14="http://schemas.microsoft.com/office/powerpoint/2010/main" xmlns="" val="40633430"/>
+        <p14:creationId xmlns="" xmlns:p14="http://schemas.microsoft.com/office/powerpoint/2010/main" val="40633430"/>
       </p:ext>
     </p:extLst>
   </p:cSld>
@@ -740,9 +742,8 @@
           <a:bodyPr/>
           <a:lstStyle/>
           <a:p>
-            <a:fld id="{DA44C658-A786-4A8B-9AAB-8809E6075414}" type="datetimeFigureOut">
-              <a:rPr lang="de-DE" smtClean="0"/>
-              <a:pPr/>
+            <a:fld id="{0E11B5E4-F335-434D-B012-5C3D3E08AA3B}" type="datetime1">
+              <a:rPr lang="de-DE" smtClean="0"/>
               <a:t>22.11.2018</a:t>
             </a:fld>
             <a:endParaRPr lang="de-DE"/>
@@ -907,9 +908,8 @@
           <a:bodyPr/>
           <a:lstStyle/>
           <a:p>
-            <a:fld id="{DA44C658-A786-4A8B-9AAB-8809E6075414}" type="datetimeFigureOut">
-              <a:rPr lang="de-DE" smtClean="0"/>
-              <a:pPr/>
+            <a:fld id="{1CAED088-2239-4A58-AC15-90368B9495E5}" type="datetime1">
+              <a:rPr lang="de-DE" smtClean="0"/>
               <a:t>22.11.2018</a:t>
             </a:fld>
             <a:endParaRPr lang="de-DE"/>
@@ -1084,9 +1084,8 @@
           <a:bodyPr/>
           <a:lstStyle/>
           <a:p>
-            <a:fld id="{DA44C658-A786-4A8B-9AAB-8809E6075414}" type="datetimeFigureOut">
-              <a:rPr lang="de-DE" smtClean="0"/>
-              <a:pPr/>
+            <a:fld id="{453B9525-947D-4623-9E87-F18C73B041E6}" type="datetime1">
+              <a:rPr lang="de-DE" smtClean="0"/>
               <a:t>22.11.2018</a:t>
             </a:fld>
             <a:endParaRPr lang="de-DE"/>
@@ -1251,9 +1250,8 @@
           <a:bodyPr/>
           <a:lstStyle/>
           <a:p>
-            <a:fld id="{DA44C658-A786-4A8B-9AAB-8809E6075414}" type="datetimeFigureOut">
-              <a:rPr lang="de-DE" smtClean="0"/>
-              <a:pPr/>
+            <a:fld id="{43E64FA6-2D0D-4BD6-9F98-47C737D3E22C}" type="datetime1">
+              <a:rPr lang="de-DE" smtClean="0"/>
               <a:t>22.11.2018</a:t>
             </a:fld>
             <a:endParaRPr lang="de-DE"/>
@@ -1494,9 +1492,8 @@
           <a:bodyPr/>
           <a:lstStyle/>
           <a:p>
-            <a:fld id="{DA44C658-A786-4A8B-9AAB-8809E6075414}" type="datetimeFigureOut">
-              <a:rPr lang="de-DE" smtClean="0"/>
-              <a:pPr/>
+            <a:fld id="{1BF9E9D1-16BA-461D-97B6-49A3D4B4FC0F}" type="datetime1">
+              <a:rPr lang="de-DE" smtClean="0"/>
               <a:t>22.11.2018</a:t>
             </a:fld>
             <a:endParaRPr lang="de-DE"/>
@@ -1779,9 +1776,8 @@
           <a:bodyPr/>
           <a:lstStyle/>
           <a:p>
-            <a:fld id="{DA44C658-A786-4A8B-9AAB-8809E6075414}" type="datetimeFigureOut">
-              <a:rPr lang="de-DE" smtClean="0"/>
-              <a:pPr/>
+            <a:fld id="{FC222656-8124-49C8-BB00-277F4B662A3C}" type="datetime1">
+              <a:rPr lang="de-DE" smtClean="0"/>
               <a:t>22.11.2018</a:t>
             </a:fld>
             <a:endParaRPr lang="de-DE"/>
@@ -2198,9 +2194,8 @@
           <a:bodyPr/>
           <a:lstStyle/>
           <a:p>
-            <a:fld id="{DA44C658-A786-4A8B-9AAB-8809E6075414}" type="datetimeFigureOut">
-              <a:rPr lang="de-DE" smtClean="0"/>
-              <a:pPr/>
+            <a:fld id="{F521C219-9692-48AC-9B49-A6162FCAF6C5}" type="datetime1">
+              <a:rPr lang="de-DE" smtClean="0"/>
               <a:t>22.11.2018</a:t>
             </a:fld>
             <a:endParaRPr lang="de-DE"/>
@@ -2313,9 +2308,8 @@
           <a:bodyPr/>
           <a:lstStyle/>
           <a:p>
-            <a:fld id="{DA44C658-A786-4A8B-9AAB-8809E6075414}" type="datetimeFigureOut">
-              <a:rPr lang="de-DE" smtClean="0"/>
-              <a:pPr/>
+            <a:fld id="{25FF4C6E-C4EE-4120-8032-82AEE14F071B}" type="datetime1">
+              <a:rPr lang="de-DE" smtClean="0"/>
               <a:t>22.11.2018</a:t>
             </a:fld>
             <a:endParaRPr lang="de-DE"/>
@@ -2405,9 +2399,8 @@
           <a:bodyPr/>
           <a:lstStyle/>
           <a:p>
-            <a:fld id="{DA44C658-A786-4A8B-9AAB-8809E6075414}" type="datetimeFigureOut">
-              <a:rPr lang="de-DE" smtClean="0"/>
-              <a:pPr/>
+            <a:fld id="{C790F6F7-A52C-46F7-962F-58C6AA69F163}" type="datetime1">
+              <a:rPr lang="de-DE" smtClean="0"/>
               <a:t>22.11.2018</a:t>
             </a:fld>
             <a:endParaRPr lang="de-DE"/>
@@ -2679,9 +2672,8 @@
           <a:bodyPr/>
           <a:lstStyle/>
           <a:p>
-            <a:fld id="{DA44C658-A786-4A8B-9AAB-8809E6075414}" type="datetimeFigureOut">
-              <a:rPr lang="de-DE" smtClean="0"/>
-              <a:pPr/>
+            <a:fld id="{00E26F0B-242B-4368-B256-24BB45823E2F}" type="datetime1">
+              <a:rPr lang="de-DE" smtClean="0"/>
               <a:t>22.11.2018</a:t>
             </a:fld>
             <a:endParaRPr lang="de-DE"/>
@@ -2929,9 +2921,8 @@
           <a:bodyPr/>
           <a:lstStyle/>
           <a:p>
-            <a:fld id="{DA44C658-A786-4A8B-9AAB-8809E6075414}" type="datetimeFigureOut">
-              <a:rPr lang="de-DE" smtClean="0"/>
-              <a:pPr/>
+            <a:fld id="{663F57D1-BB3D-4C92-B7D8-14C88852FF9E}" type="datetime1">
+              <a:rPr lang="de-DE" smtClean="0"/>
               <a:t>22.11.2018</a:t>
             </a:fld>
             <a:endParaRPr lang="de-DE"/>
@@ -3139,9 +3130,8 @@
             </a:lvl1pPr>
           </a:lstStyle>
           <a:p>
-            <a:fld id="{DA44C658-A786-4A8B-9AAB-8809E6075414}" type="datetimeFigureOut">
-              <a:rPr lang="de-DE" smtClean="0"/>
-              <a:pPr/>
+            <a:fld id="{222425B2-055C-4DBB-A5AB-951C30B57420}" type="datetime1">
+              <a:rPr lang="de-DE" smtClean="0"/>
               <a:t>22.11.2018</a:t>
             </a:fld>
             <a:endParaRPr lang="de-DE"/>
@@ -3243,6 +3233,7 @@
     <p:sldLayoutId id="2147483658" r:id="rId10"/>
     <p:sldLayoutId id="2147483659" r:id="rId11"/>
   </p:sldLayoutIdLst>
+  <p:hf hdr="0" ftr="0" dt="0"/>
   <p:txStyles>
     <p:titleStyle>
       <a:lvl1pPr algn="ctr" defTabSz="914400" rtl="0" eaLnBrk="1" latinLnBrk="0" hangingPunct="1">
@@ -3590,6 +3581,30 @@
           </a:p>
         </p:txBody>
       </p:sp>
+      <p:sp>
+        <p:nvSpPr>
+          <p:cNvPr id="4" name="Foliennummernplatzhalter 3"/>
+          <p:cNvSpPr>
+            <a:spLocks noGrp="1"/>
+          </p:cNvSpPr>
+          <p:nvPr>
+            <p:ph type="sldNum" sz="quarter" idx="12"/>
+          </p:nvPr>
+        </p:nvSpPr>
+        <p:spPr/>
+        <p:txBody>
+          <a:bodyPr/>
+          <a:lstStyle/>
+          <a:p>
+            <a:fld id="{3E6D3252-0EF4-4676-B5DF-274518F29F28}" type="slidenum">
+              <a:rPr lang="de-DE" smtClean="0"/>
+              <a:pPr/>
+              <a:t>1</a:t>
+            </a:fld>
+            <a:endParaRPr lang="de-DE"/>
+          </a:p>
+        </p:txBody>
+      </p:sp>
     </p:spTree>
   </p:cSld>
   <p:clrMapOvr>
@@ -3627,7 +3642,7 @@
           <a:blip r:embed="rId2">
             <a:extLst>
               <a:ext uri="{28A0092B-C50C-407E-A947-70E740481C1C}">
-                <a14:useLocalDpi xmlns:a14="http://schemas.microsoft.com/office/drawing/2010/main" xmlns="" val="0"/>
+                <a14:useLocalDpi xmlns="" xmlns:a14="http://schemas.microsoft.com/office/drawing/2010/main" val="0"/>
               </a:ext>
             </a:extLst>
           </a:blip>
@@ -3651,14 +3666,14 @@
           <a:effectLst/>
           <a:extLst>
             <a:ext uri="{909E8E84-426E-40DD-AFC4-6F175D3DCCD1}">
-              <a14:hiddenFill xmlns:a14="http://schemas.microsoft.com/office/drawing/2010/main" xmlns="">
+              <a14:hiddenFill xmlns="" xmlns:a14="http://schemas.microsoft.com/office/drawing/2010/main">
                 <a:solidFill>
                   <a:schemeClr val="accent1"/>
                 </a:solidFill>
               </a14:hiddenFill>
             </a:ext>
             <a:ext uri="{91240B29-F687-4F45-9708-019B960494DF}">
-              <a14:hiddenLine xmlns:a14="http://schemas.microsoft.com/office/drawing/2010/main" xmlns="" w="9525">
+              <a14:hiddenLine xmlns="" xmlns:a14="http://schemas.microsoft.com/office/drawing/2010/main" w="9525">
                 <a:solidFill>
                   <a:schemeClr val="tx1"/>
                 </a:solidFill>
@@ -3668,7 +3683,7 @@
               </a14:hiddenLine>
             </a:ext>
             <a:ext uri="{AF507438-7753-43E0-B8FC-AC1667EBCBE1}">
-              <a14:hiddenEffects xmlns:a14="http://schemas.microsoft.com/office/drawing/2010/main" xmlns="">
+              <a14:hiddenEffects xmlns="" xmlns:a14="http://schemas.microsoft.com/office/drawing/2010/main">
                 <a:effectLst>
                   <a:outerShdw dist="35921" dir="2700000" algn="ctr" rotWithShape="0">
                     <a:schemeClr val="bg2"/>
@@ -3725,10 +3740,34 @@
           </a:p>
         </p:txBody>
       </p:sp>
+      <p:sp>
+        <p:nvSpPr>
+          <p:cNvPr id="4" name="Foliennummernplatzhalter 3"/>
+          <p:cNvSpPr>
+            <a:spLocks noGrp="1"/>
+          </p:cNvSpPr>
+          <p:nvPr>
+            <p:ph type="sldNum" sz="quarter" idx="12"/>
+          </p:nvPr>
+        </p:nvSpPr>
+        <p:spPr/>
+        <p:txBody>
+          <a:bodyPr/>
+          <a:lstStyle/>
+          <a:p>
+            <a:fld id="{3E6D3252-0EF4-4676-B5DF-274518F29F28}" type="slidenum">
+              <a:rPr lang="de-DE" smtClean="0"/>
+              <a:pPr/>
+              <a:t>10</a:t>
+            </a:fld>
+            <a:endParaRPr lang="de-DE"/>
+          </a:p>
+        </p:txBody>
+      </p:sp>
     </p:spTree>
     <p:extLst>
       <p:ext uri="{BB962C8B-B14F-4D97-AF65-F5344CB8AC3E}">
-        <p14:creationId xmlns:p14="http://schemas.microsoft.com/office/powerpoint/2010/main" xmlns="" val="4058453900"/>
+        <p14:creationId xmlns="" xmlns:p14="http://schemas.microsoft.com/office/powerpoint/2010/main" val="4058453900"/>
       </p:ext>
     </p:extLst>
   </p:cSld>
@@ -4506,10 +4545,34 @@
           </a:p>
         </p:txBody>
       </p:sp>
+      <p:sp>
+        <p:nvSpPr>
+          <p:cNvPr id="5" name="Foliennummernplatzhalter 4"/>
+          <p:cNvSpPr>
+            <a:spLocks noGrp="1"/>
+          </p:cNvSpPr>
+          <p:nvPr>
+            <p:ph type="sldNum" sz="quarter" idx="12"/>
+          </p:nvPr>
+        </p:nvSpPr>
+        <p:spPr/>
+        <p:txBody>
+          <a:bodyPr/>
+          <a:lstStyle/>
+          <a:p>
+            <a:fld id="{3E6D3252-0EF4-4676-B5DF-274518F29F28}" type="slidenum">
+              <a:rPr lang="de-DE" smtClean="0"/>
+              <a:pPr/>
+              <a:t>11</a:t>
+            </a:fld>
+            <a:endParaRPr lang="de-DE"/>
+          </a:p>
+        </p:txBody>
+      </p:sp>
     </p:spTree>
     <p:extLst>
       <p:ext uri="{BB962C8B-B14F-4D97-AF65-F5344CB8AC3E}">
-        <p14:creationId xmlns:p14="http://schemas.microsoft.com/office/powerpoint/2010/main" xmlns="" val="4058453900"/>
+        <p14:creationId xmlns="" xmlns:p14="http://schemas.microsoft.com/office/powerpoint/2010/main" val="4058453900"/>
       </p:ext>
     </p:extLst>
   </p:cSld>
@@ -4939,10 +5002,34 @@
           </a:p>
         </p:txBody>
       </p:sp>
+      <p:sp>
+        <p:nvSpPr>
+          <p:cNvPr id="7" name="Foliennummernplatzhalter 6"/>
+          <p:cNvSpPr>
+            <a:spLocks noGrp="1"/>
+          </p:cNvSpPr>
+          <p:nvPr>
+            <p:ph type="sldNum" sz="quarter" idx="12"/>
+          </p:nvPr>
+        </p:nvSpPr>
+        <p:spPr/>
+        <p:txBody>
+          <a:bodyPr/>
+          <a:lstStyle/>
+          <a:p>
+            <a:fld id="{3E6D3252-0EF4-4676-B5DF-274518F29F28}" type="slidenum">
+              <a:rPr lang="de-DE" smtClean="0"/>
+              <a:pPr/>
+              <a:t>12</a:t>
+            </a:fld>
+            <a:endParaRPr lang="de-DE"/>
+          </a:p>
+        </p:txBody>
+      </p:sp>
     </p:spTree>
     <p:extLst>
       <p:ext uri="{BB962C8B-B14F-4D97-AF65-F5344CB8AC3E}">
-        <p14:creationId xmlns:p14="http://schemas.microsoft.com/office/powerpoint/2010/main" xmlns="" val="3651894450"/>
+        <p14:creationId xmlns="" xmlns:p14="http://schemas.microsoft.com/office/powerpoint/2010/main" val="3651894450"/>
       </p:ext>
     </p:extLst>
   </p:cSld>
@@ -5069,6 +5156,30 @@
           </a:p>
         </p:txBody>
       </p:sp>
+      <p:sp>
+        <p:nvSpPr>
+          <p:cNvPr id="4" name="Foliennummernplatzhalter 3"/>
+          <p:cNvSpPr>
+            <a:spLocks noGrp="1"/>
+          </p:cNvSpPr>
+          <p:nvPr>
+            <p:ph type="sldNum" sz="quarter" idx="12"/>
+          </p:nvPr>
+        </p:nvSpPr>
+        <p:spPr/>
+        <p:txBody>
+          <a:bodyPr/>
+          <a:lstStyle/>
+          <a:p>
+            <a:fld id="{3E6D3252-0EF4-4676-B5DF-274518F29F28}" type="slidenum">
+              <a:rPr lang="de-DE" smtClean="0"/>
+              <a:pPr/>
+              <a:t>2</a:t>
+            </a:fld>
+            <a:endParaRPr lang="de-DE"/>
+          </a:p>
+        </p:txBody>
+      </p:sp>
     </p:spTree>
   </p:cSld>
   <p:clrMapOvr>
@@ -5142,6 +5253,30 @@
           </a:p>
         </p:txBody>
       </p:sp>
+      <p:sp>
+        <p:nvSpPr>
+          <p:cNvPr id="4" name="Foliennummernplatzhalter 3"/>
+          <p:cNvSpPr>
+            <a:spLocks noGrp="1"/>
+          </p:cNvSpPr>
+          <p:nvPr>
+            <p:ph type="sldNum" sz="quarter" idx="12"/>
+          </p:nvPr>
+        </p:nvSpPr>
+        <p:spPr/>
+        <p:txBody>
+          <a:bodyPr/>
+          <a:lstStyle/>
+          <a:p>
+            <a:fld id="{3E6D3252-0EF4-4676-B5DF-274518F29F28}" type="slidenum">
+              <a:rPr lang="de-DE" smtClean="0"/>
+              <a:pPr/>
+              <a:t>3</a:t>
+            </a:fld>
+            <a:endParaRPr lang="de-DE"/>
+          </a:p>
+        </p:txBody>
+      </p:sp>
     </p:spTree>
   </p:cSld>
   <p:clrMapOvr>
@@ -5218,6 +5353,30 @@
           </a:p>
           <a:p>
             <a:endParaRPr lang="de-DE" dirty="0"/>
+          </a:p>
+        </p:txBody>
+      </p:sp>
+      <p:sp>
+        <p:nvSpPr>
+          <p:cNvPr id="4" name="Foliennummernplatzhalter 3"/>
+          <p:cNvSpPr>
+            <a:spLocks noGrp="1"/>
+          </p:cNvSpPr>
+          <p:nvPr>
+            <p:ph type="sldNum" sz="quarter" idx="12"/>
+          </p:nvPr>
+        </p:nvSpPr>
+        <p:spPr/>
+        <p:txBody>
+          <a:bodyPr/>
+          <a:lstStyle/>
+          <a:p>
+            <a:fld id="{3E6D3252-0EF4-4676-B5DF-274518F29F28}" type="slidenum">
+              <a:rPr lang="de-DE" smtClean="0"/>
+              <a:pPr/>
+              <a:t>4</a:t>
+            </a:fld>
+            <a:endParaRPr lang="de-DE"/>
           </a:p>
         </p:txBody>
       </p:sp>
@@ -5503,6 +5662,30 @@
           </a:graphicData>
         </a:graphic>
       </p:graphicFrame>
+      <p:sp>
+        <p:nvSpPr>
+          <p:cNvPr id="5" name="Foliennummernplatzhalter 4"/>
+          <p:cNvSpPr>
+            <a:spLocks noGrp="1"/>
+          </p:cNvSpPr>
+          <p:nvPr>
+            <p:ph type="sldNum" sz="quarter" idx="12"/>
+          </p:nvPr>
+        </p:nvSpPr>
+        <p:spPr/>
+        <p:txBody>
+          <a:bodyPr/>
+          <a:lstStyle/>
+          <a:p>
+            <a:fld id="{3E6D3252-0EF4-4676-B5DF-274518F29F28}" type="slidenum">
+              <a:rPr lang="de-DE" smtClean="0"/>
+              <a:pPr/>
+              <a:t>5</a:t>
+            </a:fld>
+            <a:endParaRPr lang="de-DE"/>
+          </a:p>
+        </p:txBody>
+      </p:sp>
     </p:spTree>
   </p:cSld>
   <p:clrMapOvr>
@@ -5729,6 +5912,30 @@
           </a:p>
         </p:txBody>
       </p:sp>
+      <p:sp>
+        <p:nvSpPr>
+          <p:cNvPr id="7" name="Foliennummernplatzhalter 6"/>
+          <p:cNvSpPr>
+            <a:spLocks noGrp="1"/>
+          </p:cNvSpPr>
+          <p:nvPr>
+            <p:ph type="sldNum" sz="quarter" idx="12"/>
+          </p:nvPr>
+        </p:nvSpPr>
+        <p:spPr/>
+        <p:txBody>
+          <a:bodyPr/>
+          <a:lstStyle/>
+          <a:p>
+            <a:fld id="{3E6D3252-0EF4-4676-B5DF-274518F29F28}" type="slidenum">
+              <a:rPr lang="de-DE" smtClean="0"/>
+              <a:pPr/>
+              <a:t>6</a:t>
+            </a:fld>
+            <a:endParaRPr lang="de-DE"/>
+          </a:p>
+        </p:txBody>
+      </p:sp>
     </p:spTree>
   </p:cSld>
   <p:clrMapOvr>
@@ -5816,6 +6023,30 @@
           </a:p>
           <a:p>
             <a:endParaRPr lang="de-DE" dirty="0"/>
+          </a:p>
+        </p:txBody>
+      </p:sp>
+      <p:sp>
+        <p:nvSpPr>
+          <p:cNvPr id="4" name="Foliennummernplatzhalter 3"/>
+          <p:cNvSpPr>
+            <a:spLocks noGrp="1"/>
+          </p:cNvSpPr>
+          <p:nvPr>
+            <p:ph type="sldNum" sz="quarter" idx="12"/>
+          </p:nvPr>
+        </p:nvSpPr>
+        <p:spPr/>
+        <p:txBody>
+          <a:bodyPr/>
+          <a:lstStyle/>
+          <a:p>
+            <a:fld id="{3E6D3252-0EF4-4676-B5DF-274518F29F28}" type="slidenum">
+              <a:rPr lang="de-DE" smtClean="0"/>
+              <a:pPr/>
+              <a:t>7</a:t>
+            </a:fld>
+            <a:endParaRPr lang="de-DE"/>
           </a:p>
         </p:txBody>
       </p:sp>
@@ -5856,7 +6087,7 @@
           <a:blip r:embed="rId2">
             <a:extLst>
               <a:ext uri="{28A0092B-C50C-407E-A947-70E740481C1C}">
-                <a14:useLocalDpi xmlns:a14="http://schemas.microsoft.com/office/drawing/2010/main" xmlns="" val="0"/>
+                <a14:useLocalDpi xmlns="" xmlns:a14="http://schemas.microsoft.com/office/drawing/2010/main" val="0"/>
               </a:ext>
             </a:extLst>
           </a:blip>
@@ -5880,14 +6111,14 @@
           <a:effectLst/>
           <a:extLst>
             <a:ext uri="{909E8E84-426E-40DD-AFC4-6F175D3DCCD1}">
-              <a14:hiddenFill xmlns:a14="http://schemas.microsoft.com/office/drawing/2010/main" xmlns="">
+              <a14:hiddenFill xmlns="" xmlns:a14="http://schemas.microsoft.com/office/drawing/2010/main">
                 <a:solidFill>
                   <a:schemeClr val="accent1"/>
                 </a:solidFill>
               </a14:hiddenFill>
             </a:ext>
             <a:ext uri="{91240B29-F687-4F45-9708-019B960494DF}">
-              <a14:hiddenLine xmlns:a14="http://schemas.microsoft.com/office/drawing/2010/main" xmlns="" w="9525">
+              <a14:hiddenLine xmlns="" xmlns:a14="http://schemas.microsoft.com/office/drawing/2010/main" w="9525">
                 <a:solidFill>
                   <a:schemeClr val="tx1"/>
                 </a:solidFill>
@@ -5897,7 +6128,7 @@
               </a14:hiddenLine>
             </a:ext>
             <a:ext uri="{AF507438-7753-43E0-B8FC-AC1667EBCBE1}">
-              <a14:hiddenEffects xmlns:a14="http://schemas.microsoft.com/office/drawing/2010/main" xmlns="">
+              <a14:hiddenEffects xmlns="" xmlns:a14="http://schemas.microsoft.com/office/drawing/2010/main">
                 <a:effectLst>
                   <a:outerShdw dist="35921" dir="2700000" algn="ctr" rotWithShape="0">
                     <a:schemeClr val="bg2"/>
@@ -5954,10 +6185,34 @@
           </a:p>
         </p:txBody>
       </p:sp>
+      <p:sp>
+        <p:nvSpPr>
+          <p:cNvPr id="4" name="Foliennummernplatzhalter 3"/>
+          <p:cNvSpPr>
+            <a:spLocks noGrp="1"/>
+          </p:cNvSpPr>
+          <p:nvPr>
+            <p:ph type="sldNum" sz="quarter" idx="12"/>
+          </p:nvPr>
+        </p:nvSpPr>
+        <p:spPr/>
+        <p:txBody>
+          <a:bodyPr/>
+          <a:lstStyle/>
+          <a:p>
+            <a:fld id="{3E6D3252-0EF4-4676-B5DF-274518F29F28}" type="slidenum">
+              <a:rPr lang="de-DE" smtClean="0"/>
+              <a:pPr/>
+              <a:t>8</a:t>
+            </a:fld>
+            <a:endParaRPr lang="de-DE"/>
+          </a:p>
+        </p:txBody>
+      </p:sp>
     </p:spTree>
     <p:extLst>
       <p:ext uri="{BB962C8B-B14F-4D97-AF65-F5344CB8AC3E}">
-        <p14:creationId xmlns:p14="http://schemas.microsoft.com/office/powerpoint/2010/main" xmlns="" val="3651894450"/>
+        <p14:creationId xmlns="" xmlns:p14="http://schemas.microsoft.com/office/powerpoint/2010/main" val="3651894450"/>
       </p:ext>
     </p:extLst>
   </p:cSld>
@@ -6049,7 +6304,7 @@
           <a:blip r:embed="rId2">
             <a:extLst>
               <a:ext uri="{28A0092B-C50C-407E-A947-70E740481C1C}">
-                <a14:useLocalDpi xmlns:a14="http://schemas.microsoft.com/office/drawing/2010/main" xmlns="" val="0"/>
+                <a14:useLocalDpi xmlns="" xmlns:a14="http://schemas.microsoft.com/office/drawing/2010/main" val="0"/>
               </a:ext>
             </a:extLst>
           </a:blip>
@@ -6073,14 +6328,14 @@
           <a:effectLst/>
           <a:extLst>
             <a:ext uri="{909E8E84-426E-40DD-AFC4-6F175D3DCCD1}">
-              <a14:hiddenFill xmlns:a14="http://schemas.microsoft.com/office/drawing/2010/main" xmlns="">
+              <a14:hiddenFill xmlns="" xmlns:a14="http://schemas.microsoft.com/office/drawing/2010/main">
                 <a:solidFill>
                   <a:schemeClr val="accent1"/>
                 </a:solidFill>
               </a14:hiddenFill>
             </a:ext>
             <a:ext uri="{91240B29-F687-4F45-9708-019B960494DF}">
-              <a14:hiddenLine xmlns:a14="http://schemas.microsoft.com/office/drawing/2010/main" xmlns="" w="9525">
+              <a14:hiddenLine xmlns="" xmlns:a14="http://schemas.microsoft.com/office/drawing/2010/main" w="9525">
                 <a:solidFill>
                   <a:schemeClr val="tx1"/>
                 </a:solidFill>
@@ -6090,7 +6345,7 @@
               </a14:hiddenLine>
             </a:ext>
             <a:ext uri="{AF507438-7753-43E0-B8FC-AC1667EBCBE1}">
-              <a14:hiddenEffects xmlns:a14="http://schemas.microsoft.com/office/drawing/2010/main" xmlns="">
+              <a14:hiddenEffects xmlns="" xmlns:a14="http://schemas.microsoft.com/office/drawing/2010/main">
                 <a:effectLst>
                   <a:outerShdw dist="35921" dir="2700000" algn="ctr" rotWithShape="0">
                     <a:schemeClr val="bg2"/>
@@ -6101,10 +6356,34 @@
           </a:extLst>
         </p:spPr>
       </p:pic>
+      <p:sp>
+        <p:nvSpPr>
+          <p:cNvPr id="4" name="Foliennummernplatzhalter 3"/>
+          <p:cNvSpPr>
+            <a:spLocks noGrp="1"/>
+          </p:cNvSpPr>
+          <p:nvPr>
+            <p:ph type="sldNum" sz="quarter" idx="12"/>
+          </p:nvPr>
+        </p:nvSpPr>
+        <p:spPr/>
+        <p:txBody>
+          <a:bodyPr/>
+          <a:lstStyle/>
+          <a:p>
+            <a:fld id="{3E6D3252-0EF4-4676-B5DF-274518F29F28}" type="slidenum">
+              <a:rPr lang="de-DE" smtClean="0"/>
+              <a:pPr/>
+              <a:t>9</a:t>
+            </a:fld>
+            <a:endParaRPr lang="de-DE"/>
+          </a:p>
+        </p:txBody>
+      </p:sp>
     </p:spTree>
     <p:extLst>
       <p:ext uri="{BB962C8B-B14F-4D97-AF65-F5344CB8AC3E}">
-        <p14:creationId xmlns:p14="http://schemas.microsoft.com/office/powerpoint/2010/main" xmlns="" val="3127642757"/>
+        <p14:creationId xmlns="" xmlns:p14="http://schemas.microsoft.com/office/powerpoint/2010/main" val="3127642757"/>
       </p:ext>
     </p:extLst>
   </p:cSld>
